--- a/img/logo.pptx
+++ b/img/logo.pptx
@@ -6,6 +6,7 @@
   </p:sldMasterIdLst>
   <p:sldIdLst>
     <p:sldId id="256" r:id="rId2"/>
+    <p:sldId id="257" r:id="rId3"/>
   </p:sldIdLst>
   <p:sldSz cx="12192000" cy="6858000"/>
   <p:notesSz cx="6858000" cy="9144000"/>
@@ -145,7 +146,7 @@
           <p:cNvPr id="2" name="Title 1">
             <a:extLst>
               <a:ext uri="{FF2B5EF4-FFF2-40B4-BE49-F238E27FC236}">
-                <a16:creationId xmlns:a16="http://schemas.microsoft.com/office/drawing/2014/main" id="{34536EFC-072E-D71E-086A-BFBBABBF9DC5}"/>
+                <a16:creationId xmlns:a16="http://schemas.microsoft.com/office/drawing/2014/main" id="{BAF2F155-4B6F-0846-C783-0CFAFCA58F6D}"/>
               </a:ext>
             </a:extLst>
           </p:cNvPr>
@@ -182,7 +183,7 @@
           <p:cNvPr id="3" name="Subtitle 2">
             <a:extLst>
               <a:ext uri="{FF2B5EF4-FFF2-40B4-BE49-F238E27FC236}">
-                <a16:creationId xmlns:a16="http://schemas.microsoft.com/office/drawing/2014/main" id="{69C4BB49-AF72-8DF3-EC50-8676BB888821}"/>
+                <a16:creationId xmlns:a16="http://schemas.microsoft.com/office/drawing/2014/main" id="{85031153-3B01-85B7-C7A2-56F3EEC170C6}"/>
               </a:ext>
             </a:extLst>
           </p:cNvPr>
@@ -252,7 +253,7 @@
           <p:cNvPr id="4" name="Date Placeholder 3">
             <a:extLst>
               <a:ext uri="{FF2B5EF4-FFF2-40B4-BE49-F238E27FC236}">
-                <a16:creationId xmlns:a16="http://schemas.microsoft.com/office/drawing/2014/main" id="{B1613303-7445-858B-7FE5-1FF994647DBD}"/>
+                <a16:creationId xmlns:a16="http://schemas.microsoft.com/office/drawing/2014/main" id="{026FE5D6-EFF0-4CF0-5BD1-170D853523E2}"/>
               </a:ext>
             </a:extLst>
           </p:cNvPr>
@@ -268,9 +269,9 @@
           <a:bodyPr/>
           <a:lstStyle/>
           <a:p>
-            <a:fld id="{F1442427-1CA3-C24F-AE44-276B22FCFFB9}" type="datetimeFigureOut">
+            <a:fld id="{B25DE708-3526-C345-B113-21DFFC2AEC7D}" type="datetimeFigureOut">
               <a:rPr lang="en-US" smtClean="0"/>
-              <a:t>2/28/25</a:t>
+              <a:t>3/2/25</a:t>
             </a:fld>
             <a:endParaRPr lang="en-US"/>
           </a:p>
@@ -281,7 +282,7 @@
           <p:cNvPr id="5" name="Footer Placeholder 4">
             <a:extLst>
               <a:ext uri="{FF2B5EF4-FFF2-40B4-BE49-F238E27FC236}">
-                <a16:creationId xmlns:a16="http://schemas.microsoft.com/office/drawing/2014/main" id="{0DA0CB3A-C1A4-9F59-C99B-A7EBA8FB81A4}"/>
+                <a16:creationId xmlns:a16="http://schemas.microsoft.com/office/drawing/2014/main" id="{0B91413B-FA9B-E1C2-D724-1BCA09ED84AA}"/>
               </a:ext>
             </a:extLst>
           </p:cNvPr>
@@ -306,7 +307,7 @@
           <p:cNvPr id="6" name="Slide Number Placeholder 5">
             <a:extLst>
               <a:ext uri="{FF2B5EF4-FFF2-40B4-BE49-F238E27FC236}">
-                <a16:creationId xmlns:a16="http://schemas.microsoft.com/office/drawing/2014/main" id="{8B9D5C57-847B-E3BD-F821-E05D68F323F3}"/>
+                <a16:creationId xmlns:a16="http://schemas.microsoft.com/office/drawing/2014/main" id="{6B41F994-C3C2-2391-308A-29E234D71ECF}"/>
               </a:ext>
             </a:extLst>
           </p:cNvPr>
@@ -322,7 +323,7 @@
           <a:bodyPr/>
           <a:lstStyle/>
           <a:p>
-            <a:fld id="{E48BE610-EA0F-9942-8662-DD876CB3C9D2}" type="slidenum">
+            <a:fld id="{C0DF85FC-027B-BF41-93DE-8E76EFE41836}" type="slidenum">
               <a:rPr lang="en-US" smtClean="0"/>
               <a:t>‹#›</a:t>
             </a:fld>
@@ -333,7 +334,7 @@
     </p:spTree>
     <p:extLst>
       <p:ext uri="{BB962C8B-B14F-4D97-AF65-F5344CB8AC3E}">
-        <p14:creationId xmlns:p14="http://schemas.microsoft.com/office/powerpoint/2010/main" val="3898748568"/>
+        <p14:creationId xmlns:p14="http://schemas.microsoft.com/office/powerpoint/2010/main" val="1568133648"/>
       </p:ext>
     </p:extLst>
   </p:cSld>
@@ -365,7 +366,7 @@
           <p:cNvPr id="2" name="Title 1">
             <a:extLst>
               <a:ext uri="{FF2B5EF4-FFF2-40B4-BE49-F238E27FC236}">
-                <a16:creationId xmlns:a16="http://schemas.microsoft.com/office/drawing/2014/main" id="{FF9A4871-2C9F-533E-0895-EBAC762125A5}"/>
+                <a16:creationId xmlns:a16="http://schemas.microsoft.com/office/drawing/2014/main" id="{4DF3FFFD-C4B6-3F82-32C0-BC40876CC353}"/>
               </a:ext>
             </a:extLst>
           </p:cNvPr>
@@ -393,7 +394,7 @@
           <p:cNvPr id="3" name="Vertical Text Placeholder 2">
             <a:extLst>
               <a:ext uri="{FF2B5EF4-FFF2-40B4-BE49-F238E27FC236}">
-                <a16:creationId xmlns:a16="http://schemas.microsoft.com/office/drawing/2014/main" id="{E24300FD-940D-61CD-CD15-03DDFD7ECF6A}"/>
+                <a16:creationId xmlns:a16="http://schemas.microsoft.com/office/drawing/2014/main" id="{FB36F706-D45E-0DAB-EA23-83EA7561026A}"/>
               </a:ext>
             </a:extLst>
           </p:cNvPr>
@@ -450,7 +451,7 @@
           <p:cNvPr id="4" name="Date Placeholder 3">
             <a:extLst>
               <a:ext uri="{FF2B5EF4-FFF2-40B4-BE49-F238E27FC236}">
-                <a16:creationId xmlns:a16="http://schemas.microsoft.com/office/drawing/2014/main" id="{1CF31D0E-CD56-6A6C-0F14-62755FC82B53}"/>
+                <a16:creationId xmlns:a16="http://schemas.microsoft.com/office/drawing/2014/main" id="{A51C7F8F-9F9F-D80C-AE09-BF8005A7EC07}"/>
               </a:ext>
             </a:extLst>
           </p:cNvPr>
@@ -466,9 +467,9 @@
           <a:bodyPr/>
           <a:lstStyle/>
           <a:p>
-            <a:fld id="{F1442427-1CA3-C24F-AE44-276B22FCFFB9}" type="datetimeFigureOut">
+            <a:fld id="{B25DE708-3526-C345-B113-21DFFC2AEC7D}" type="datetimeFigureOut">
               <a:rPr lang="en-US" smtClean="0"/>
-              <a:t>2/28/25</a:t>
+              <a:t>3/2/25</a:t>
             </a:fld>
             <a:endParaRPr lang="en-US"/>
           </a:p>
@@ -479,7 +480,7 @@
           <p:cNvPr id="5" name="Footer Placeholder 4">
             <a:extLst>
               <a:ext uri="{FF2B5EF4-FFF2-40B4-BE49-F238E27FC236}">
-                <a16:creationId xmlns:a16="http://schemas.microsoft.com/office/drawing/2014/main" id="{D475D37C-A34C-7D3F-00DB-EE56DB78484C}"/>
+                <a16:creationId xmlns:a16="http://schemas.microsoft.com/office/drawing/2014/main" id="{E549A9C0-9DDA-33A6-1B9C-4B9B9DEDECF9}"/>
               </a:ext>
             </a:extLst>
           </p:cNvPr>
@@ -504,7 +505,7 @@
           <p:cNvPr id="6" name="Slide Number Placeholder 5">
             <a:extLst>
               <a:ext uri="{FF2B5EF4-FFF2-40B4-BE49-F238E27FC236}">
-                <a16:creationId xmlns:a16="http://schemas.microsoft.com/office/drawing/2014/main" id="{B4589801-C5B3-AC79-C056-C69D32B9C69C}"/>
+                <a16:creationId xmlns:a16="http://schemas.microsoft.com/office/drawing/2014/main" id="{3AC24EBC-E147-3A73-81FF-2947BEFF4A15}"/>
               </a:ext>
             </a:extLst>
           </p:cNvPr>
@@ -520,7 +521,7 @@
           <a:bodyPr/>
           <a:lstStyle/>
           <a:p>
-            <a:fld id="{E48BE610-EA0F-9942-8662-DD876CB3C9D2}" type="slidenum">
+            <a:fld id="{C0DF85FC-027B-BF41-93DE-8E76EFE41836}" type="slidenum">
               <a:rPr lang="en-US" smtClean="0"/>
               <a:t>‹#›</a:t>
             </a:fld>
@@ -531,7 +532,7 @@
     </p:spTree>
     <p:extLst>
       <p:ext uri="{BB962C8B-B14F-4D97-AF65-F5344CB8AC3E}">
-        <p14:creationId xmlns:p14="http://schemas.microsoft.com/office/powerpoint/2010/main" val="2160388877"/>
+        <p14:creationId xmlns:p14="http://schemas.microsoft.com/office/powerpoint/2010/main" val="1345999683"/>
       </p:ext>
     </p:extLst>
   </p:cSld>
@@ -563,7 +564,7 @@
           <p:cNvPr id="2" name="Vertical Title 1">
             <a:extLst>
               <a:ext uri="{FF2B5EF4-FFF2-40B4-BE49-F238E27FC236}">
-                <a16:creationId xmlns:a16="http://schemas.microsoft.com/office/drawing/2014/main" id="{D47A0D80-7BDB-571D-D721-74E444E46DC7}"/>
+                <a16:creationId xmlns:a16="http://schemas.microsoft.com/office/drawing/2014/main" id="{11F5FECF-A8C2-096F-4609-9EF1453562E9}"/>
               </a:ext>
             </a:extLst>
           </p:cNvPr>
@@ -596,7 +597,7 @@
           <p:cNvPr id="3" name="Vertical Text Placeholder 2">
             <a:extLst>
               <a:ext uri="{FF2B5EF4-FFF2-40B4-BE49-F238E27FC236}">
-                <a16:creationId xmlns:a16="http://schemas.microsoft.com/office/drawing/2014/main" id="{B2348F87-DE60-CDAF-8BF5-266CB6651B5C}"/>
+                <a16:creationId xmlns:a16="http://schemas.microsoft.com/office/drawing/2014/main" id="{C465CF83-AA8F-0E5C-FDCE-59F829948157}"/>
               </a:ext>
             </a:extLst>
           </p:cNvPr>
@@ -658,7 +659,7 @@
           <p:cNvPr id="4" name="Date Placeholder 3">
             <a:extLst>
               <a:ext uri="{FF2B5EF4-FFF2-40B4-BE49-F238E27FC236}">
-                <a16:creationId xmlns:a16="http://schemas.microsoft.com/office/drawing/2014/main" id="{B7FFAE1E-586F-4F37-DD20-46367C260687}"/>
+                <a16:creationId xmlns:a16="http://schemas.microsoft.com/office/drawing/2014/main" id="{39934BBB-E8D5-F54B-8689-3C7102928C14}"/>
               </a:ext>
             </a:extLst>
           </p:cNvPr>
@@ -674,9 +675,9 @@
           <a:bodyPr/>
           <a:lstStyle/>
           <a:p>
-            <a:fld id="{F1442427-1CA3-C24F-AE44-276B22FCFFB9}" type="datetimeFigureOut">
+            <a:fld id="{B25DE708-3526-C345-B113-21DFFC2AEC7D}" type="datetimeFigureOut">
               <a:rPr lang="en-US" smtClean="0"/>
-              <a:t>2/28/25</a:t>
+              <a:t>3/2/25</a:t>
             </a:fld>
             <a:endParaRPr lang="en-US"/>
           </a:p>
@@ -687,7 +688,7 @@
           <p:cNvPr id="5" name="Footer Placeholder 4">
             <a:extLst>
               <a:ext uri="{FF2B5EF4-FFF2-40B4-BE49-F238E27FC236}">
-                <a16:creationId xmlns:a16="http://schemas.microsoft.com/office/drawing/2014/main" id="{F851D2B1-408B-A1A9-D8F8-17BE7B4157D8}"/>
+                <a16:creationId xmlns:a16="http://schemas.microsoft.com/office/drawing/2014/main" id="{7D0389BA-A4AC-E188-EAF7-1C7D1BF044AA}"/>
               </a:ext>
             </a:extLst>
           </p:cNvPr>
@@ -712,7 +713,7 @@
           <p:cNvPr id="6" name="Slide Number Placeholder 5">
             <a:extLst>
               <a:ext uri="{FF2B5EF4-FFF2-40B4-BE49-F238E27FC236}">
-                <a16:creationId xmlns:a16="http://schemas.microsoft.com/office/drawing/2014/main" id="{8E4524FF-6237-35A6-1DD3-42988B882240}"/>
+                <a16:creationId xmlns:a16="http://schemas.microsoft.com/office/drawing/2014/main" id="{7F609A4E-693F-F8F2-56D6-1F5F8DBBC5BA}"/>
               </a:ext>
             </a:extLst>
           </p:cNvPr>
@@ -728,7 +729,7 @@
           <a:bodyPr/>
           <a:lstStyle/>
           <a:p>
-            <a:fld id="{E48BE610-EA0F-9942-8662-DD876CB3C9D2}" type="slidenum">
+            <a:fld id="{C0DF85FC-027B-BF41-93DE-8E76EFE41836}" type="slidenum">
               <a:rPr lang="en-US" smtClean="0"/>
               <a:t>‹#›</a:t>
             </a:fld>
@@ -739,7 +740,7 @@
     </p:spTree>
     <p:extLst>
       <p:ext uri="{BB962C8B-B14F-4D97-AF65-F5344CB8AC3E}">
-        <p14:creationId xmlns:p14="http://schemas.microsoft.com/office/powerpoint/2010/main" val="3174595827"/>
+        <p14:creationId xmlns:p14="http://schemas.microsoft.com/office/powerpoint/2010/main" val="227625016"/>
       </p:ext>
     </p:extLst>
   </p:cSld>
@@ -771,7 +772,7 @@
           <p:cNvPr id="2" name="Title 1">
             <a:extLst>
               <a:ext uri="{FF2B5EF4-FFF2-40B4-BE49-F238E27FC236}">
-                <a16:creationId xmlns:a16="http://schemas.microsoft.com/office/drawing/2014/main" id="{6BCF98F5-FAD5-9AE3-3A33-6F9240A2E4F6}"/>
+                <a16:creationId xmlns:a16="http://schemas.microsoft.com/office/drawing/2014/main" id="{B90CA71D-5324-DEF1-1CF0-09579A6C6DE1}"/>
               </a:ext>
             </a:extLst>
           </p:cNvPr>
@@ -799,7 +800,7 @@
           <p:cNvPr id="3" name="Content Placeholder 2">
             <a:extLst>
               <a:ext uri="{FF2B5EF4-FFF2-40B4-BE49-F238E27FC236}">
-                <a16:creationId xmlns:a16="http://schemas.microsoft.com/office/drawing/2014/main" id="{75FB3F9B-D7BC-A462-CB9F-2C4944EA7907}"/>
+                <a16:creationId xmlns:a16="http://schemas.microsoft.com/office/drawing/2014/main" id="{C0C85A77-9D4C-8ED2-0682-320F3C2B1D48}"/>
               </a:ext>
             </a:extLst>
           </p:cNvPr>
@@ -856,7 +857,7 @@
           <p:cNvPr id="4" name="Date Placeholder 3">
             <a:extLst>
               <a:ext uri="{FF2B5EF4-FFF2-40B4-BE49-F238E27FC236}">
-                <a16:creationId xmlns:a16="http://schemas.microsoft.com/office/drawing/2014/main" id="{22A570FC-3914-6620-0970-461E21BB109C}"/>
+                <a16:creationId xmlns:a16="http://schemas.microsoft.com/office/drawing/2014/main" id="{8AE67613-44FE-1D2D-3990-EFC851F27045}"/>
               </a:ext>
             </a:extLst>
           </p:cNvPr>
@@ -872,9 +873,9 @@
           <a:bodyPr/>
           <a:lstStyle/>
           <a:p>
-            <a:fld id="{F1442427-1CA3-C24F-AE44-276B22FCFFB9}" type="datetimeFigureOut">
+            <a:fld id="{B25DE708-3526-C345-B113-21DFFC2AEC7D}" type="datetimeFigureOut">
               <a:rPr lang="en-US" smtClean="0"/>
-              <a:t>2/28/25</a:t>
+              <a:t>3/2/25</a:t>
             </a:fld>
             <a:endParaRPr lang="en-US"/>
           </a:p>
@@ -885,7 +886,7 @@
           <p:cNvPr id="5" name="Footer Placeholder 4">
             <a:extLst>
               <a:ext uri="{FF2B5EF4-FFF2-40B4-BE49-F238E27FC236}">
-                <a16:creationId xmlns:a16="http://schemas.microsoft.com/office/drawing/2014/main" id="{EDED167F-EAFE-B96E-EC9A-40A16A5B2D6E}"/>
+                <a16:creationId xmlns:a16="http://schemas.microsoft.com/office/drawing/2014/main" id="{F4F32969-7962-4C93-7BEB-B4A0F21AFE70}"/>
               </a:ext>
             </a:extLst>
           </p:cNvPr>
@@ -910,7 +911,7 @@
           <p:cNvPr id="6" name="Slide Number Placeholder 5">
             <a:extLst>
               <a:ext uri="{FF2B5EF4-FFF2-40B4-BE49-F238E27FC236}">
-                <a16:creationId xmlns:a16="http://schemas.microsoft.com/office/drawing/2014/main" id="{6DB40371-14B7-9A36-277D-B74FB1B6EA2A}"/>
+                <a16:creationId xmlns:a16="http://schemas.microsoft.com/office/drawing/2014/main" id="{E6F316A3-FA1D-A387-0A5E-C95ADD1AB76E}"/>
               </a:ext>
             </a:extLst>
           </p:cNvPr>
@@ -926,7 +927,7 @@
           <a:bodyPr/>
           <a:lstStyle/>
           <a:p>
-            <a:fld id="{E48BE610-EA0F-9942-8662-DD876CB3C9D2}" type="slidenum">
+            <a:fld id="{C0DF85FC-027B-BF41-93DE-8E76EFE41836}" type="slidenum">
               <a:rPr lang="en-US" smtClean="0"/>
               <a:t>‹#›</a:t>
             </a:fld>
@@ -937,7 +938,7 @@
     </p:spTree>
     <p:extLst>
       <p:ext uri="{BB962C8B-B14F-4D97-AF65-F5344CB8AC3E}">
-        <p14:creationId xmlns:p14="http://schemas.microsoft.com/office/powerpoint/2010/main" val="691681458"/>
+        <p14:creationId xmlns:p14="http://schemas.microsoft.com/office/powerpoint/2010/main" val="3195610508"/>
       </p:ext>
     </p:extLst>
   </p:cSld>
@@ -969,7 +970,7 @@
           <p:cNvPr id="2" name="Title 1">
             <a:extLst>
               <a:ext uri="{FF2B5EF4-FFF2-40B4-BE49-F238E27FC236}">
-                <a16:creationId xmlns:a16="http://schemas.microsoft.com/office/drawing/2014/main" id="{516ABFE4-5FAD-D91D-F3D5-54E87BF578FB}"/>
+                <a16:creationId xmlns:a16="http://schemas.microsoft.com/office/drawing/2014/main" id="{A08EA77E-8BE8-0DCF-078D-16CA4A47DB9C}"/>
               </a:ext>
             </a:extLst>
           </p:cNvPr>
@@ -1006,7 +1007,7 @@
           <p:cNvPr id="3" name="Text Placeholder 2">
             <a:extLst>
               <a:ext uri="{FF2B5EF4-FFF2-40B4-BE49-F238E27FC236}">
-                <a16:creationId xmlns:a16="http://schemas.microsoft.com/office/drawing/2014/main" id="{0F2E9280-A6D0-9B3D-8FDE-F99887ADD4F6}"/>
+                <a16:creationId xmlns:a16="http://schemas.microsoft.com/office/drawing/2014/main" id="{0D4B5BAB-00AC-7227-581B-54902464470A}"/>
               </a:ext>
             </a:extLst>
           </p:cNvPr>
@@ -1131,7 +1132,7 @@
           <p:cNvPr id="4" name="Date Placeholder 3">
             <a:extLst>
               <a:ext uri="{FF2B5EF4-FFF2-40B4-BE49-F238E27FC236}">
-                <a16:creationId xmlns:a16="http://schemas.microsoft.com/office/drawing/2014/main" id="{6A0688ED-631D-3601-5907-4B4792094BAD}"/>
+                <a16:creationId xmlns:a16="http://schemas.microsoft.com/office/drawing/2014/main" id="{1D4114EE-9F53-4B88-13C7-8574CCC75AD4}"/>
               </a:ext>
             </a:extLst>
           </p:cNvPr>
@@ -1147,9 +1148,9 @@
           <a:bodyPr/>
           <a:lstStyle/>
           <a:p>
-            <a:fld id="{F1442427-1CA3-C24F-AE44-276B22FCFFB9}" type="datetimeFigureOut">
+            <a:fld id="{B25DE708-3526-C345-B113-21DFFC2AEC7D}" type="datetimeFigureOut">
               <a:rPr lang="en-US" smtClean="0"/>
-              <a:t>2/28/25</a:t>
+              <a:t>3/2/25</a:t>
             </a:fld>
             <a:endParaRPr lang="en-US"/>
           </a:p>
@@ -1160,7 +1161,7 @@
           <p:cNvPr id="5" name="Footer Placeholder 4">
             <a:extLst>
               <a:ext uri="{FF2B5EF4-FFF2-40B4-BE49-F238E27FC236}">
-                <a16:creationId xmlns:a16="http://schemas.microsoft.com/office/drawing/2014/main" id="{AED12E4A-B399-B0E3-3804-6AC2FB07D7D9}"/>
+                <a16:creationId xmlns:a16="http://schemas.microsoft.com/office/drawing/2014/main" id="{DCBE3C5B-4638-FCE1-18AC-EF630A7F08AB}"/>
               </a:ext>
             </a:extLst>
           </p:cNvPr>
@@ -1185,7 +1186,7 @@
           <p:cNvPr id="6" name="Slide Number Placeholder 5">
             <a:extLst>
               <a:ext uri="{FF2B5EF4-FFF2-40B4-BE49-F238E27FC236}">
-                <a16:creationId xmlns:a16="http://schemas.microsoft.com/office/drawing/2014/main" id="{F7EAE079-8781-FA0C-F00E-E48535718F3D}"/>
+                <a16:creationId xmlns:a16="http://schemas.microsoft.com/office/drawing/2014/main" id="{BA698614-249F-69D9-0FF3-651E61E87401}"/>
               </a:ext>
             </a:extLst>
           </p:cNvPr>
@@ -1201,7 +1202,7 @@
           <a:bodyPr/>
           <a:lstStyle/>
           <a:p>
-            <a:fld id="{E48BE610-EA0F-9942-8662-DD876CB3C9D2}" type="slidenum">
+            <a:fld id="{C0DF85FC-027B-BF41-93DE-8E76EFE41836}" type="slidenum">
               <a:rPr lang="en-US" smtClean="0"/>
               <a:t>‹#›</a:t>
             </a:fld>
@@ -1212,7 +1213,7 @@
     </p:spTree>
     <p:extLst>
       <p:ext uri="{BB962C8B-B14F-4D97-AF65-F5344CB8AC3E}">
-        <p14:creationId xmlns:p14="http://schemas.microsoft.com/office/powerpoint/2010/main" val="2412558429"/>
+        <p14:creationId xmlns:p14="http://schemas.microsoft.com/office/powerpoint/2010/main" val="2132781983"/>
       </p:ext>
     </p:extLst>
   </p:cSld>
@@ -1244,7 +1245,7 @@
           <p:cNvPr id="2" name="Title 1">
             <a:extLst>
               <a:ext uri="{FF2B5EF4-FFF2-40B4-BE49-F238E27FC236}">
-                <a16:creationId xmlns:a16="http://schemas.microsoft.com/office/drawing/2014/main" id="{84EAB1E4-FE2C-5B25-A6A6-A17B25B90DED}"/>
+                <a16:creationId xmlns:a16="http://schemas.microsoft.com/office/drawing/2014/main" id="{175A1AD2-EEA5-C3B2-BC6F-0C44EFA4184B}"/>
               </a:ext>
             </a:extLst>
           </p:cNvPr>
@@ -1272,7 +1273,7 @@
           <p:cNvPr id="3" name="Content Placeholder 2">
             <a:extLst>
               <a:ext uri="{FF2B5EF4-FFF2-40B4-BE49-F238E27FC236}">
-                <a16:creationId xmlns:a16="http://schemas.microsoft.com/office/drawing/2014/main" id="{942F1BC9-A628-3D7C-C913-F12A5AFE0E01}"/>
+                <a16:creationId xmlns:a16="http://schemas.microsoft.com/office/drawing/2014/main" id="{3719FD27-A4CF-2C56-FB60-3AEB8AD2AD93}"/>
               </a:ext>
             </a:extLst>
           </p:cNvPr>
@@ -1334,7 +1335,7 @@
           <p:cNvPr id="4" name="Content Placeholder 3">
             <a:extLst>
               <a:ext uri="{FF2B5EF4-FFF2-40B4-BE49-F238E27FC236}">
-                <a16:creationId xmlns:a16="http://schemas.microsoft.com/office/drawing/2014/main" id="{F6EE5671-8D04-BF59-5EC6-D40CD3E549C0}"/>
+                <a16:creationId xmlns:a16="http://schemas.microsoft.com/office/drawing/2014/main" id="{3DC1AE20-856A-B772-6EF7-40B2E46656D6}"/>
               </a:ext>
             </a:extLst>
           </p:cNvPr>
@@ -1396,7 +1397,7 @@
           <p:cNvPr id="5" name="Date Placeholder 4">
             <a:extLst>
               <a:ext uri="{FF2B5EF4-FFF2-40B4-BE49-F238E27FC236}">
-                <a16:creationId xmlns:a16="http://schemas.microsoft.com/office/drawing/2014/main" id="{846616B7-3C6C-2697-D836-B8444F5292A8}"/>
+                <a16:creationId xmlns:a16="http://schemas.microsoft.com/office/drawing/2014/main" id="{533DAF2A-ABA0-7CF0-AFD0-622F7B54A2A4}"/>
               </a:ext>
             </a:extLst>
           </p:cNvPr>
@@ -1412,9 +1413,9 @@
           <a:bodyPr/>
           <a:lstStyle/>
           <a:p>
-            <a:fld id="{F1442427-1CA3-C24F-AE44-276B22FCFFB9}" type="datetimeFigureOut">
+            <a:fld id="{B25DE708-3526-C345-B113-21DFFC2AEC7D}" type="datetimeFigureOut">
               <a:rPr lang="en-US" smtClean="0"/>
-              <a:t>2/28/25</a:t>
+              <a:t>3/2/25</a:t>
             </a:fld>
             <a:endParaRPr lang="en-US"/>
           </a:p>
@@ -1425,7 +1426,7 @@
           <p:cNvPr id="6" name="Footer Placeholder 5">
             <a:extLst>
               <a:ext uri="{FF2B5EF4-FFF2-40B4-BE49-F238E27FC236}">
-                <a16:creationId xmlns:a16="http://schemas.microsoft.com/office/drawing/2014/main" id="{FA7C5E5B-C8B5-6064-2DC8-9B150CACE77A}"/>
+                <a16:creationId xmlns:a16="http://schemas.microsoft.com/office/drawing/2014/main" id="{11560B8E-4C42-C911-ABC4-C53BE7EFF170}"/>
               </a:ext>
             </a:extLst>
           </p:cNvPr>
@@ -1450,7 +1451,7 @@
           <p:cNvPr id="7" name="Slide Number Placeholder 6">
             <a:extLst>
               <a:ext uri="{FF2B5EF4-FFF2-40B4-BE49-F238E27FC236}">
-                <a16:creationId xmlns:a16="http://schemas.microsoft.com/office/drawing/2014/main" id="{9FC527EE-F587-CDF4-7242-593EA95A8E0F}"/>
+                <a16:creationId xmlns:a16="http://schemas.microsoft.com/office/drawing/2014/main" id="{FD3DEFD8-16C0-E68B-8D72-225CFDE2A7C4}"/>
               </a:ext>
             </a:extLst>
           </p:cNvPr>
@@ -1466,7 +1467,7 @@
           <a:bodyPr/>
           <a:lstStyle/>
           <a:p>
-            <a:fld id="{E48BE610-EA0F-9942-8662-DD876CB3C9D2}" type="slidenum">
+            <a:fld id="{C0DF85FC-027B-BF41-93DE-8E76EFE41836}" type="slidenum">
               <a:rPr lang="en-US" smtClean="0"/>
               <a:t>‹#›</a:t>
             </a:fld>
@@ -1477,7 +1478,7 @@
     </p:spTree>
     <p:extLst>
       <p:ext uri="{BB962C8B-B14F-4D97-AF65-F5344CB8AC3E}">
-        <p14:creationId xmlns:p14="http://schemas.microsoft.com/office/powerpoint/2010/main" val="2516507267"/>
+        <p14:creationId xmlns:p14="http://schemas.microsoft.com/office/powerpoint/2010/main" val="3065369504"/>
       </p:ext>
     </p:extLst>
   </p:cSld>
@@ -1509,7 +1510,7 @@
           <p:cNvPr id="2" name="Title 1">
             <a:extLst>
               <a:ext uri="{FF2B5EF4-FFF2-40B4-BE49-F238E27FC236}">
-                <a16:creationId xmlns:a16="http://schemas.microsoft.com/office/drawing/2014/main" id="{0E3B4505-EEA6-4FF9-53D7-ED4B67B348C6}"/>
+                <a16:creationId xmlns:a16="http://schemas.microsoft.com/office/drawing/2014/main" id="{210AD089-AC17-C689-3AB6-9D6EDC257CAE}"/>
               </a:ext>
             </a:extLst>
           </p:cNvPr>
@@ -1542,7 +1543,7 @@
           <p:cNvPr id="3" name="Text Placeholder 2">
             <a:extLst>
               <a:ext uri="{FF2B5EF4-FFF2-40B4-BE49-F238E27FC236}">
-                <a16:creationId xmlns:a16="http://schemas.microsoft.com/office/drawing/2014/main" id="{23CA8947-1200-DFA9-3FEE-C4CA84A6AE33}"/>
+                <a16:creationId xmlns:a16="http://schemas.microsoft.com/office/drawing/2014/main" id="{7082E380-E46E-AD58-9BD1-340BEB35C7AD}"/>
               </a:ext>
             </a:extLst>
           </p:cNvPr>
@@ -1613,7 +1614,7 @@
           <p:cNvPr id="4" name="Content Placeholder 3">
             <a:extLst>
               <a:ext uri="{FF2B5EF4-FFF2-40B4-BE49-F238E27FC236}">
-                <a16:creationId xmlns:a16="http://schemas.microsoft.com/office/drawing/2014/main" id="{2E893224-7930-A36A-80E7-92B5FD648E76}"/>
+                <a16:creationId xmlns:a16="http://schemas.microsoft.com/office/drawing/2014/main" id="{3292A484-1932-BA93-8264-113CB789513E}"/>
               </a:ext>
             </a:extLst>
           </p:cNvPr>
@@ -1675,7 +1676,7 @@
           <p:cNvPr id="5" name="Text Placeholder 4">
             <a:extLst>
               <a:ext uri="{FF2B5EF4-FFF2-40B4-BE49-F238E27FC236}">
-                <a16:creationId xmlns:a16="http://schemas.microsoft.com/office/drawing/2014/main" id="{51A5F6BD-7CDF-1BC0-C7D6-12A8A92160FB}"/>
+                <a16:creationId xmlns:a16="http://schemas.microsoft.com/office/drawing/2014/main" id="{B6FAEE46-8377-92D8-8CC8-FA2EAF1A4426}"/>
               </a:ext>
             </a:extLst>
           </p:cNvPr>
@@ -1746,7 +1747,7 @@
           <p:cNvPr id="6" name="Content Placeholder 5">
             <a:extLst>
               <a:ext uri="{FF2B5EF4-FFF2-40B4-BE49-F238E27FC236}">
-                <a16:creationId xmlns:a16="http://schemas.microsoft.com/office/drawing/2014/main" id="{7F166409-4291-9B41-6829-013245B63E1C}"/>
+                <a16:creationId xmlns:a16="http://schemas.microsoft.com/office/drawing/2014/main" id="{1E157CC8-B731-F73A-4E27-E1E50D9878A6}"/>
               </a:ext>
             </a:extLst>
           </p:cNvPr>
@@ -1808,7 +1809,7 @@
           <p:cNvPr id="7" name="Date Placeholder 6">
             <a:extLst>
               <a:ext uri="{FF2B5EF4-FFF2-40B4-BE49-F238E27FC236}">
-                <a16:creationId xmlns:a16="http://schemas.microsoft.com/office/drawing/2014/main" id="{F369B5FA-7D36-C765-0EA2-E7B3926C2CA7}"/>
+                <a16:creationId xmlns:a16="http://schemas.microsoft.com/office/drawing/2014/main" id="{FD45998E-9A88-F276-C0E4-A6CF3AD86C9A}"/>
               </a:ext>
             </a:extLst>
           </p:cNvPr>
@@ -1824,9 +1825,9 @@
           <a:bodyPr/>
           <a:lstStyle/>
           <a:p>
-            <a:fld id="{F1442427-1CA3-C24F-AE44-276B22FCFFB9}" type="datetimeFigureOut">
+            <a:fld id="{B25DE708-3526-C345-B113-21DFFC2AEC7D}" type="datetimeFigureOut">
               <a:rPr lang="en-US" smtClean="0"/>
-              <a:t>2/28/25</a:t>
+              <a:t>3/2/25</a:t>
             </a:fld>
             <a:endParaRPr lang="en-US"/>
           </a:p>
@@ -1837,7 +1838,7 @@
           <p:cNvPr id="8" name="Footer Placeholder 7">
             <a:extLst>
               <a:ext uri="{FF2B5EF4-FFF2-40B4-BE49-F238E27FC236}">
-                <a16:creationId xmlns:a16="http://schemas.microsoft.com/office/drawing/2014/main" id="{B93192D3-FA5A-9799-0EF4-73F7084CBE9F}"/>
+                <a16:creationId xmlns:a16="http://schemas.microsoft.com/office/drawing/2014/main" id="{9703F04D-A175-0A4D-44B5-444BD4ABBD90}"/>
               </a:ext>
             </a:extLst>
           </p:cNvPr>
@@ -1862,7 +1863,7 @@
           <p:cNvPr id="9" name="Slide Number Placeholder 8">
             <a:extLst>
               <a:ext uri="{FF2B5EF4-FFF2-40B4-BE49-F238E27FC236}">
-                <a16:creationId xmlns:a16="http://schemas.microsoft.com/office/drawing/2014/main" id="{B2E59C44-C556-1A44-153F-3E4AF3B2E0EE}"/>
+                <a16:creationId xmlns:a16="http://schemas.microsoft.com/office/drawing/2014/main" id="{8F1A701B-090C-F6E1-2A55-A9133A48F90F}"/>
               </a:ext>
             </a:extLst>
           </p:cNvPr>
@@ -1878,7 +1879,7 @@
           <a:bodyPr/>
           <a:lstStyle/>
           <a:p>
-            <a:fld id="{E48BE610-EA0F-9942-8662-DD876CB3C9D2}" type="slidenum">
+            <a:fld id="{C0DF85FC-027B-BF41-93DE-8E76EFE41836}" type="slidenum">
               <a:rPr lang="en-US" smtClean="0"/>
               <a:t>‹#›</a:t>
             </a:fld>
@@ -1889,7 +1890,7 @@
     </p:spTree>
     <p:extLst>
       <p:ext uri="{BB962C8B-B14F-4D97-AF65-F5344CB8AC3E}">
-        <p14:creationId xmlns:p14="http://schemas.microsoft.com/office/powerpoint/2010/main" val="1893381514"/>
+        <p14:creationId xmlns:p14="http://schemas.microsoft.com/office/powerpoint/2010/main" val="2248257762"/>
       </p:ext>
     </p:extLst>
   </p:cSld>
@@ -1921,7 +1922,7 @@
           <p:cNvPr id="2" name="Title 1">
             <a:extLst>
               <a:ext uri="{FF2B5EF4-FFF2-40B4-BE49-F238E27FC236}">
-                <a16:creationId xmlns:a16="http://schemas.microsoft.com/office/drawing/2014/main" id="{E5B32CEE-8299-6995-F155-D4CF992678B6}"/>
+                <a16:creationId xmlns:a16="http://schemas.microsoft.com/office/drawing/2014/main" id="{D9818243-396D-95F3-3098-7D1E6C8F9C0D}"/>
               </a:ext>
             </a:extLst>
           </p:cNvPr>
@@ -1949,7 +1950,7 @@
           <p:cNvPr id="3" name="Date Placeholder 2">
             <a:extLst>
               <a:ext uri="{FF2B5EF4-FFF2-40B4-BE49-F238E27FC236}">
-                <a16:creationId xmlns:a16="http://schemas.microsoft.com/office/drawing/2014/main" id="{BD0C9D0F-6036-0BA4-3032-02FBD4D0321D}"/>
+                <a16:creationId xmlns:a16="http://schemas.microsoft.com/office/drawing/2014/main" id="{101CD324-1180-0763-D035-F8FEADBDD3F1}"/>
               </a:ext>
             </a:extLst>
           </p:cNvPr>
@@ -1965,9 +1966,9 @@
           <a:bodyPr/>
           <a:lstStyle/>
           <a:p>
-            <a:fld id="{F1442427-1CA3-C24F-AE44-276B22FCFFB9}" type="datetimeFigureOut">
+            <a:fld id="{B25DE708-3526-C345-B113-21DFFC2AEC7D}" type="datetimeFigureOut">
               <a:rPr lang="en-US" smtClean="0"/>
-              <a:t>2/28/25</a:t>
+              <a:t>3/2/25</a:t>
             </a:fld>
             <a:endParaRPr lang="en-US"/>
           </a:p>
@@ -1978,7 +1979,7 @@
           <p:cNvPr id="4" name="Footer Placeholder 3">
             <a:extLst>
               <a:ext uri="{FF2B5EF4-FFF2-40B4-BE49-F238E27FC236}">
-                <a16:creationId xmlns:a16="http://schemas.microsoft.com/office/drawing/2014/main" id="{C25D0E98-5318-28CA-AC2F-63C8C22A8488}"/>
+                <a16:creationId xmlns:a16="http://schemas.microsoft.com/office/drawing/2014/main" id="{F17FD696-7028-ADF7-4F8D-2B2429393DDC}"/>
               </a:ext>
             </a:extLst>
           </p:cNvPr>
@@ -2003,7 +2004,7 @@
           <p:cNvPr id="5" name="Slide Number Placeholder 4">
             <a:extLst>
               <a:ext uri="{FF2B5EF4-FFF2-40B4-BE49-F238E27FC236}">
-                <a16:creationId xmlns:a16="http://schemas.microsoft.com/office/drawing/2014/main" id="{D0384785-2060-519B-4EDC-93933A7B361A}"/>
+                <a16:creationId xmlns:a16="http://schemas.microsoft.com/office/drawing/2014/main" id="{BAF70BB5-EE36-60A7-2B1D-2982A5A13000}"/>
               </a:ext>
             </a:extLst>
           </p:cNvPr>
@@ -2019,7 +2020,7 @@
           <a:bodyPr/>
           <a:lstStyle/>
           <a:p>
-            <a:fld id="{E48BE610-EA0F-9942-8662-DD876CB3C9D2}" type="slidenum">
+            <a:fld id="{C0DF85FC-027B-BF41-93DE-8E76EFE41836}" type="slidenum">
               <a:rPr lang="en-US" smtClean="0"/>
               <a:t>‹#›</a:t>
             </a:fld>
@@ -2030,7 +2031,7 @@
     </p:spTree>
     <p:extLst>
       <p:ext uri="{BB962C8B-B14F-4D97-AF65-F5344CB8AC3E}">
-        <p14:creationId xmlns:p14="http://schemas.microsoft.com/office/powerpoint/2010/main" val="172042883"/>
+        <p14:creationId xmlns:p14="http://schemas.microsoft.com/office/powerpoint/2010/main" val="913022126"/>
       </p:ext>
     </p:extLst>
   </p:cSld>
@@ -2062,7 +2063,7 @@
           <p:cNvPr id="2" name="Date Placeholder 1">
             <a:extLst>
               <a:ext uri="{FF2B5EF4-FFF2-40B4-BE49-F238E27FC236}">
-                <a16:creationId xmlns:a16="http://schemas.microsoft.com/office/drawing/2014/main" id="{279F0C91-22E5-5750-7ADF-280890EE8252}"/>
+                <a16:creationId xmlns:a16="http://schemas.microsoft.com/office/drawing/2014/main" id="{59F475BF-F122-8221-9ECB-A9CF8614DB3C}"/>
               </a:ext>
             </a:extLst>
           </p:cNvPr>
@@ -2078,9 +2079,9 @@
           <a:bodyPr/>
           <a:lstStyle/>
           <a:p>
-            <a:fld id="{F1442427-1CA3-C24F-AE44-276B22FCFFB9}" type="datetimeFigureOut">
+            <a:fld id="{B25DE708-3526-C345-B113-21DFFC2AEC7D}" type="datetimeFigureOut">
               <a:rPr lang="en-US" smtClean="0"/>
-              <a:t>2/28/25</a:t>
+              <a:t>3/2/25</a:t>
             </a:fld>
             <a:endParaRPr lang="en-US"/>
           </a:p>
@@ -2091,7 +2092,7 @@
           <p:cNvPr id="3" name="Footer Placeholder 2">
             <a:extLst>
               <a:ext uri="{FF2B5EF4-FFF2-40B4-BE49-F238E27FC236}">
-                <a16:creationId xmlns:a16="http://schemas.microsoft.com/office/drawing/2014/main" id="{238A2592-4556-52B4-95A5-EA02AB889D16}"/>
+                <a16:creationId xmlns:a16="http://schemas.microsoft.com/office/drawing/2014/main" id="{E2F9C35C-CA36-0A8F-42FB-B149FB44F040}"/>
               </a:ext>
             </a:extLst>
           </p:cNvPr>
@@ -2116,7 +2117,7 @@
           <p:cNvPr id="4" name="Slide Number Placeholder 3">
             <a:extLst>
               <a:ext uri="{FF2B5EF4-FFF2-40B4-BE49-F238E27FC236}">
-                <a16:creationId xmlns:a16="http://schemas.microsoft.com/office/drawing/2014/main" id="{FD4D78B8-98C1-DD22-995B-B9D5E008B67F}"/>
+                <a16:creationId xmlns:a16="http://schemas.microsoft.com/office/drawing/2014/main" id="{54ED66E8-5427-32F0-5384-1A15A73F3532}"/>
               </a:ext>
             </a:extLst>
           </p:cNvPr>
@@ -2132,7 +2133,7 @@
           <a:bodyPr/>
           <a:lstStyle/>
           <a:p>
-            <a:fld id="{E48BE610-EA0F-9942-8662-DD876CB3C9D2}" type="slidenum">
+            <a:fld id="{C0DF85FC-027B-BF41-93DE-8E76EFE41836}" type="slidenum">
               <a:rPr lang="en-US" smtClean="0"/>
               <a:t>‹#›</a:t>
             </a:fld>
@@ -2143,7 +2144,7 @@
     </p:spTree>
     <p:extLst>
       <p:ext uri="{BB962C8B-B14F-4D97-AF65-F5344CB8AC3E}">
-        <p14:creationId xmlns:p14="http://schemas.microsoft.com/office/powerpoint/2010/main" val="437635663"/>
+        <p14:creationId xmlns:p14="http://schemas.microsoft.com/office/powerpoint/2010/main" val="805376208"/>
       </p:ext>
     </p:extLst>
   </p:cSld>
@@ -2175,7 +2176,7 @@
           <p:cNvPr id="2" name="Title 1">
             <a:extLst>
               <a:ext uri="{FF2B5EF4-FFF2-40B4-BE49-F238E27FC236}">
-                <a16:creationId xmlns:a16="http://schemas.microsoft.com/office/drawing/2014/main" id="{275700E1-83E0-E55A-C2DC-9F92D23DEB12}"/>
+                <a16:creationId xmlns:a16="http://schemas.microsoft.com/office/drawing/2014/main" id="{F6479A5F-D87E-B7DD-5CD0-A588C85A8A13}"/>
               </a:ext>
             </a:extLst>
           </p:cNvPr>
@@ -2212,7 +2213,7 @@
           <p:cNvPr id="3" name="Content Placeholder 2">
             <a:extLst>
               <a:ext uri="{FF2B5EF4-FFF2-40B4-BE49-F238E27FC236}">
-                <a16:creationId xmlns:a16="http://schemas.microsoft.com/office/drawing/2014/main" id="{92DE8087-1EEA-AF9D-C253-0847B15BD203}"/>
+                <a16:creationId xmlns:a16="http://schemas.microsoft.com/office/drawing/2014/main" id="{700F66F1-64ED-FC4B-5556-2B002FE1F6A7}"/>
               </a:ext>
             </a:extLst>
           </p:cNvPr>
@@ -2302,7 +2303,7 @@
           <p:cNvPr id="4" name="Text Placeholder 3">
             <a:extLst>
               <a:ext uri="{FF2B5EF4-FFF2-40B4-BE49-F238E27FC236}">
-                <a16:creationId xmlns:a16="http://schemas.microsoft.com/office/drawing/2014/main" id="{8183A818-14BA-2F96-F99B-9CEE6AFB8F1B}"/>
+                <a16:creationId xmlns:a16="http://schemas.microsoft.com/office/drawing/2014/main" id="{7DE095F0-38AB-038C-CEA1-6CA147A9130E}"/>
               </a:ext>
             </a:extLst>
           </p:cNvPr>
@@ -2373,7 +2374,7 @@
           <p:cNvPr id="5" name="Date Placeholder 4">
             <a:extLst>
               <a:ext uri="{FF2B5EF4-FFF2-40B4-BE49-F238E27FC236}">
-                <a16:creationId xmlns:a16="http://schemas.microsoft.com/office/drawing/2014/main" id="{9D39CA95-49A4-6A00-9154-D3AA2D2C93CF}"/>
+                <a16:creationId xmlns:a16="http://schemas.microsoft.com/office/drawing/2014/main" id="{82DB42A1-A11B-AE31-DC0C-60B0856682D7}"/>
               </a:ext>
             </a:extLst>
           </p:cNvPr>
@@ -2389,9 +2390,9 @@
           <a:bodyPr/>
           <a:lstStyle/>
           <a:p>
-            <a:fld id="{F1442427-1CA3-C24F-AE44-276B22FCFFB9}" type="datetimeFigureOut">
+            <a:fld id="{B25DE708-3526-C345-B113-21DFFC2AEC7D}" type="datetimeFigureOut">
               <a:rPr lang="en-US" smtClean="0"/>
-              <a:t>2/28/25</a:t>
+              <a:t>3/2/25</a:t>
             </a:fld>
             <a:endParaRPr lang="en-US"/>
           </a:p>
@@ -2402,7 +2403,7 @@
           <p:cNvPr id="6" name="Footer Placeholder 5">
             <a:extLst>
               <a:ext uri="{FF2B5EF4-FFF2-40B4-BE49-F238E27FC236}">
-                <a16:creationId xmlns:a16="http://schemas.microsoft.com/office/drawing/2014/main" id="{46CA485C-4039-E5C3-9576-BD9DFDB99928}"/>
+                <a16:creationId xmlns:a16="http://schemas.microsoft.com/office/drawing/2014/main" id="{48BFABBF-1F33-3A75-86F8-9357C2D38A97}"/>
               </a:ext>
             </a:extLst>
           </p:cNvPr>
@@ -2427,7 +2428,7 @@
           <p:cNvPr id="7" name="Slide Number Placeholder 6">
             <a:extLst>
               <a:ext uri="{FF2B5EF4-FFF2-40B4-BE49-F238E27FC236}">
-                <a16:creationId xmlns:a16="http://schemas.microsoft.com/office/drawing/2014/main" id="{27F53CA6-ADB3-AB14-A81B-8F604814F313}"/>
+                <a16:creationId xmlns:a16="http://schemas.microsoft.com/office/drawing/2014/main" id="{160D1314-DFED-3D30-A404-ED4D9F5572B4}"/>
               </a:ext>
             </a:extLst>
           </p:cNvPr>
@@ -2443,7 +2444,7 @@
           <a:bodyPr/>
           <a:lstStyle/>
           <a:p>
-            <a:fld id="{E48BE610-EA0F-9942-8662-DD876CB3C9D2}" type="slidenum">
+            <a:fld id="{C0DF85FC-027B-BF41-93DE-8E76EFE41836}" type="slidenum">
               <a:rPr lang="en-US" smtClean="0"/>
               <a:t>‹#›</a:t>
             </a:fld>
@@ -2454,7 +2455,7 @@
     </p:spTree>
     <p:extLst>
       <p:ext uri="{BB962C8B-B14F-4D97-AF65-F5344CB8AC3E}">
-        <p14:creationId xmlns:p14="http://schemas.microsoft.com/office/powerpoint/2010/main" val="2645507621"/>
+        <p14:creationId xmlns:p14="http://schemas.microsoft.com/office/powerpoint/2010/main" val="3042690148"/>
       </p:ext>
     </p:extLst>
   </p:cSld>
@@ -2486,7 +2487,7 @@
           <p:cNvPr id="2" name="Title 1">
             <a:extLst>
               <a:ext uri="{FF2B5EF4-FFF2-40B4-BE49-F238E27FC236}">
-                <a16:creationId xmlns:a16="http://schemas.microsoft.com/office/drawing/2014/main" id="{76FC32A8-FFAF-DB50-F67E-9DFB7677E4A9}"/>
+                <a16:creationId xmlns:a16="http://schemas.microsoft.com/office/drawing/2014/main" id="{E41E8A2F-42FA-AA7D-44E4-F3A5FF3AC176}"/>
               </a:ext>
             </a:extLst>
           </p:cNvPr>
@@ -2523,7 +2524,7 @@
           <p:cNvPr id="3" name="Picture Placeholder 2">
             <a:extLst>
               <a:ext uri="{FF2B5EF4-FFF2-40B4-BE49-F238E27FC236}">
-                <a16:creationId xmlns:a16="http://schemas.microsoft.com/office/drawing/2014/main" id="{BCA85788-AAFC-C65D-799A-D1C4A23411EB}"/>
+                <a16:creationId xmlns:a16="http://schemas.microsoft.com/office/drawing/2014/main" id="{F48C3C2D-1AC4-DE5D-08EF-B5CC5BF97986}"/>
               </a:ext>
             </a:extLst>
           </p:cNvPr>
@@ -2590,7 +2591,7 @@
           <p:cNvPr id="4" name="Text Placeholder 3">
             <a:extLst>
               <a:ext uri="{FF2B5EF4-FFF2-40B4-BE49-F238E27FC236}">
-                <a16:creationId xmlns:a16="http://schemas.microsoft.com/office/drawing/2014/main" id="{61535C0B-C13E-452A-D320-9AEF1679BEB4}"/>
+                <a16:creationId xmlns:a16="http://schemas.microsoft.com/office/drawing/2014/main" id="{6609BF7D-4DF3-D379-27F8-04B3F339403F}"/>
               </a:ext>
             </a:extLst>
           </p:cNvPr>
@@ -2661,7 +2662,7 @@
           <p:cNvPr id="5" name="Date Placeholder 4">
             <a:extLst>
               <a:ext uri="{FF2B5EF4-FFF2-40B4-BE49-F238E27FC236}">
-                <a16:creationId xmlns:a16="http://schemas.microsoft.com/office/drawing/2014/main" id="{E7DCC4CA-2754-A30B-4645-B1CEFC2E9E33}"/>
+                <a16:creationId xmlns:a16="http://schemas.microsoft.com/office/drawing/2014/main" id="{9ABE9EC8-DF3B-39F8-E93E-A10DE31ECDB0}"/>
               </a:ext>
             </a:extLst>
           </p:cNvPr>
@@ -2677,9 +2678,9 @@
           <a:bodyPr/>
           <a:lstStyle/>
           <a:p>
-            <a:fld id="{F1442427-1CA3-C24F-AE44-276B22FCFFB9}" type="datetimeFigureOut">
+            <a:fld id="{B25DE708-3526-C345-B113-21DFFC2AEC7D}" type="datetimeFigureOut">
               <a:rPr lang="en-US" smtClean="0"/>
-              <a:t>2/28/25</a:t>
+              <a:t>3/2/25</a:t>
             </a:fld>
             <a:endParaRPr lang="en-US"/>
           </a:p>
@@ -2690,7 +2691,7 @@
           <p:cNvPr id="6" name="Footer Placeholder 5">
             <a:extLst>
               <a:ext uri="{FF2B5EF4-FFF2-40B4-BE49-F238E27FC236}">
-                <a16:creationId xmlns:a16="http://schemas.microsoft.com/office/drawing/2014/main" id="{E87DDF8B-D100-4EC9-6CC2-B0D73E4AA2E9}"/>
+                <a16:creationId xmlns:a16="http://schemas.microsoft.com/office/drawing/2014/main" id="{0B285904-ED2F-52A1-A3A3-0D2308A2A73C}"/>
               </a:ext>
             </a:extLst>
           </p:cNvPr>
@@ -2715,7 +2716,7 @@
           <p:cNvPr id="7" name="Slide Number Placeholder 6">
             <a:extLst>
               <a:ext uri="{FF2B5EF4-FFF2-40B4-BE49-F238E27FC236}">
-                <a16:creationId xmlns:a16="http://schemas.microsoft.com/office/drawing/2014/main" id="{A19327F7-79F9-F81D-657C-7EDAE41A533D}"/>
+                <a16:creationId xmlns:a16="http://schemas.microsoft.com/office/drawing/2014/main" id="{0E546DB3-A921-9679-7C1E-C952FC8DE575}"/>
               </a:ext>
             </a:extLst>
           </p:cNvPr>
@@ -2731,7 +2732,7 @@
           <a:bodyPr/>
           <a:lstStyle/>
           <a:p>
-            <a:fld id="{E48BE610-EA0F-9942-8662-DD876CB3C9D2}" type="slidenum">
+            <a:fld id="{C0DF85FC-027B-BF41-93DE-8E76EFE41836}" type="slidenum">
               <a:rPr lang="en-US" smtClean="0"/>
               <a:t>‹#›</a:t>
             </a:fld>
@@ -2742,7 +2743,7 @@
     </p:spTree>
     <p:extLst>
       <p:ext uri="{BB962C8B-B14F-4D97-AF65-F5344CB8AC3E}">
-        <p14:creationId xmlns:p14="http://schemas.microsoft.com/office/powerpoint/2010/main" val="419240944"/>
+        <p14:creationId xmlns:p14="http://schemas.microsoft.com/office/powerpoint/2010/main" val="1823686935"/>
       </p:ext>
     </p:extLst>
   </p:cSld>
@@ -2779,7 +2780,7 @@
           <p:cNvPr id="2" name="Title Placeholder 1">
             <a:extLst>
               <a:ext uri="{FF2B5EF4-FFF2-40B4-BE49-F238E27FC236}">
-                <a16:creationId xmlns:a16="http://schemas.microsoft.com/office/drawing/2014/main" id="{6BB23CF8-E338-4A31-153F-29C286D3BD4F}"/>
+                <a16:creationId xmlns:a16="http://schemas.microsoft.com/office/drawing/2014/main" id="{942322A9-EF5E-C8E4-F81D-27DE75CC399F}"/>
               </a:ext>
             </a:extLst>
           </p:cNvPr>
@@ -2817,7 +2818,7 @@
           <p:cNvPr id="3" name="Text Placeholder 2">
             <a:extLst>
               <a:ext uri="{FF2B5EF4-FFF2-40B4-BE49-F238E27FC236}">
-                <a16:creationId xmlns:a16="http://schemas.microsoft.com/office/drawing/2014/main" id="{D2AAFF24-D568-40F5-4848-2B9500BF8DF8}"/>
+                <a16:creationId xmlns:a16="http://schemas.microsoft.com/office/drawing/2014/main" id="{7564E5B1-3562-7A41-C3D6-160377E3D1E0}"/>
               </a:ext>
             </a:extLst>
           </p:cNvPr>
@@ -2884,7 +2885,7 @@
           <p:cNvPr id="4" name="Date Placeholder 3">
             <a:extLst>
               <a:ext uri="{FF2B5EF4-FFF2-40B4-BE49-F238E27FC236}">
-                <a16:creationId xmlns:a16="http://schemas.microsoft.com/office/drawing/2014/main" id="{4DD553F9-69EF-945A-2577-37CC87F4F09A}"/>
+                <a16:creationId xmlns:a16="http://schemas.microsoft.com/office/drawing/2014/main" id="{EDCDEEA6-DFDC-671A-9AEB-C94C0B1F12F0}"/>
               </a:ext>
             </a:extLst>
           </p:cNvPr>
@@ -2918,9 +2919,9 @@
             </a:lvl1pPr>
           </a:lstStyle>
           <a:p>
-            <a:fld id="{F1442427-1CA3-C24F-AE44-276B22FCFFB9}" type="datetimeFigureOut">
+            <a:fld id="{B25DE708-3526-C345-B113-21DFFC2AEC7D}" type="datetimeFigureOut">
               <a:rPr lang="en-US" smtClean="0"/>
-              <a:t>2/28/25</a:t>
+              <a:t>3/2/25</a:t>
             </a:fld>
             <a:endParaRPr lang="en-US"/>
           </a:p>
@@ -2931,7 +2932,7 @@
           <p:cNvPr id="5" name="Footer Placeholder 4">
             <a:extLst>
               <a:ext uri="{FF2B5EF4-FFF2-40B4-BE49-F238E27FC236}">
-                <a16:creationId xmlns:a16="http://schemas.microsoft.com/office/drawing/2014/main" id="{01B12D48-282C-C1B5-D509-6EDA38222868}"/>
+                <a16:creationId xmlns:a16="http://schemas.microsoft.com/office/drawing/2014/main" id="{411F16CF-0D12-CF5F-5311-6D193E7E27AD}"/>
               </a:ext>
             </a:extLst>
           </p:cNvPr>
@@ -2974,7 +2975,7 @@
           <p:cNvPr id="6" name="Slide Number Placeholder 5">
             <a:extLst>
               <a:ext uri="{FF2B5EF4-FFF2-40B4-BE49-F238E27FC236}">
-                <a16:creationId xmlns:a16="http://schemas.microsoft.com/office/drawing/2014/main" id="{567D6EA9-D213-98AB-3208-D6D6D6B63CA2}"/>
+                <a16:creationId xmlns:a16="http://schemas.microsoft.com/office/drawing/2014/main" id="{CBFDC3E6-6F13-D16B-7193-1D222DF13C9C}"/>
               </a:ext>
             </a:extLst>
           </p:cNvPr>
@@ -3008,7 +3009,7 @@
             </a:lvl1pPr>
           </a:lstStyle>
           <a:p>
-            <a:fld id="{E48BE610-EA0F-9942-8662-DD876CB3C9D2}" type="slidenum">
+            <a:fld id="{C0DF85FC-027B-BF41-93DE-8E76EFE41836}" type="slidenum">
               <a:rPr lang="en-US" smtClean="0"/>
               <a:t>‹#›</a:t>
             </a:fld>
@@ -3019,7 +3020,7 @@
     </p:spTree>
     <p:extLst>
       <p:ext uri="{BB962C8B-B14F-4D97-AF65-F5344CB8AC3E}">
-        <p14:creationId xmlns:p14="http://schemas.microsoft.com/office/powerpoint/2010/main" val="283328293"/>
+        <p14:creationId xmlns:p14="http://schemas.microsoft.com/office/powerpoint/2010/main" val="3270662205"/>
       </p:ext>
     </p:extLst>
   </p:cSld>
@@ -3339,137 +3340,324 @@
       </p:grpSpPr>
       <p:sp>
         <p:nvSpPr>
-          <p:cNvPr id="2" name="Title 1">
-            <a:extLst>
-              <a:ext uri="{FF2B5EF4-FFF2-40B4-BE49-F238E27FC236}">
-                <a16:creationId xmlns:a16="http://schemas.microsoft.com/office/drawing/2014/main" id="{AB52942C-91FA-8BFA-399F-3359B7D8DAEE}"/>
-              </a:ext>
-            </a:extLst>
-          </p:cNvPr>
-          <p:cNvSpPr>
-            <a:spLocks noGrp="1"/>
-          </p:cNvSpPr>
-          <p:nvPr>
-            <p:ph type="ctrTitle"/>
-          </p:nvPr>
-        </p:nvSpPr>
-        <p:spPr/>
-        <p:txBody>
-          <a:bodyPr/>
-          <a:lstStyle/>
-          <a:p>
-            <a:endParaRPr lang="en-US" dirty="0"/>
-          </a:p>
-        </p:txBody>
-      </p:sp>
-      <p:sp>
-        <p:nvSpPr>
-          <p:cNvPr id="3" name="Subtitle 2">
-            <a:extLst>
-              <a:ext uri="{FF2B5EF4-FFF2-40B4-BE49-F238E27FC236}">
-                <a16:creationId xmlns:a16="http://schemas.microsoft.com/office/drawing/2014/main" id="{94F1B0BE-D479-ECA3-9A0D-CC0C88C84088}"/>
-              </a:ext>
-            </a:extLst>
-          </p:cNvPr>
-          <p:cNvSpPr>
-            <a:spLocks noGrp="1"/>
-          </p:cNvSpPr>
-          <p:nvPr>
-            <p:ph type="subTitle" idx="1"/>
-          </p:nvPr>
-        </p:nvSpPr>
-        <p:spPr/>
-        <p:txBody>
-          <a:bodyPr/>
-          <a:lstStyle/>
-          <a:p>
-            <a:endParaRPr lang="en-US" dirty="0"/>
-          </a:p>
-        </p:txBody>
-      </p:sp>
-      <p:pic>
-        <p:nvPicPr>
-          <p:cNvPr id="5" name="Picture 4">
-            <a:extLst>
-              <a:ext uri="{FF2B5EF4-FFF2-40B4-BE49-F238E27FC236}">
-                <a16:creationId xmlns:a16="http://schemas.microsoft.com/office/drawing/2014/main" id="{0905B6F8-2E04-41A9-54EB-46BAE7C3199B}"/>
-              </a:ext>
-            </a:extLst>
-          </p:cNvPr>
-          <p:cNvPicPr>
-            <a:picLocks noChangeAspect="1"/>
-          </p:cNvPicPr>
+          <p:cNvPr id="4" name="TextBox 3">
+            <a:extLst>
+              <a:ext uri="{FF2B5EF4-FFF2-40B4-BE49-F238E27FC236}">
+                <a16:creationId xmlns:a16="http://schemas.microsoft.com/office/drawing/2014/main" id="{0707A22B-9D8F-2E94-582D-48F4C091F45A}"/>
+              </a:ext>
+            </a:extLst>
+          </p:cNvPr>
+          <p:cNvSpPr txBox="1"/>
           <p:nvPr/>
-        </p:nvPicPr>
-        <p:blipFill rotWithShape="1">
-          <a:blip r:embed="rId2"/>
-          <a:srcRect l="7806" t="7806" r="7806" b="7806"/>
-          <a:stretch/>
-        </p:blipFill>
+        </p:nvSpPr>
         <p:spPr>
           <a:xfrm>
-            <a:off x="3352292" y="685292"/>
-            <a:ext cx="5486400" cy="5486400"/>
+            <a:off x="-444500" y="2576780"/>
+            <a:ext cx="12484100" cy="2062103"/>
           </a:xfrm>
           <a:prstGeom prst="rect">
             <a:avLst/>
           </a:prstGeom>
+          <a:noFill/>
+          <a:effectLst>
+            <a:outerShdw blurRad="50800" dist="38100" dir="2700000" algn="tl" rotWithShape="0">
+              <a:prstClr val="black">
+                <a:alpha val="40000"/>
+              </a:prstClr>
+            </a:outerShdw>
+          </a:effectLst>
         </p:spPr>
-      </p:pic>
+        <p:txBody>
+          <a:bodyPr wrap="square" rtlCol="0">
+            <a:spAutoFit/>
+          </a:bodyPr>
+          <a:lstStyle/>
+          <a:p>
+            <a:pPr algn="ctr"/>
+            <a:r>
+              <a:rPr lang="en-US" sz="12800" dirty="0">
+                <a:ln w="12700">
+                  <a:solidFill>
+                    <a:schemeClr val="bg1"/>
+                  </a:solidFill>
+                </a:ln>
+                <a:latin typeface="HanziPen SC" panose="03000300000000000000" pitchFamily="66" charset="-122"/>
+                <a:ea typeface="HanziPen SC" panose="03000300000000000000" pitchFamily="66" charset="-122"/>
+                <a:cs typeface="Apple Chancery" panose="03020702040506060504" pitchFamily="66" charset="-79"/>
+              </a:rPr>
+              <a:t>Barbara   Malte</a:t>
+            </a:r>
+          </a:p>
+        </p:txBody>
+      </p:sp>
       <p:pic>
         <p:nvPicPr>
-          <p:cNvPr id="6" name="Picture 5">
-            <a:extLst>
-              <a:ext uri="{FF2B5EF4-FFF2-40B4-BE49-F238E27FC236}">
-                <a16:creationId xmlns:a16="http://schemas.microsoft.com/office/drawing/2014/main" id="{2D91E15C-3CB4-D91B-DFE4-4BEE991DEEC5}"/>
+          <p:cNvPr id="1026" name="Picture 2" descr="Heart Icon PNG &amp; SVG Design For T-Shirts">
+            <a:extLst>
+              <a:ext uri="{FF2B5EF4-FFF2-40B4-BE49-F238E27FC236}">
+                <a16:creationId xmlns:a16="http://schemas.microsoft.com/office/drawing/2014/main" id="{8629B1AC-0B58-5E68-4BBD-345DC997CE03}"/>
               </a:ext>
             </a:extLst>
           </p:cNvPr>
           <p:cNvPicPr>
-            <a:picLocks noChangeAspect="1"/>
+            <a:picLocks noChangeAspect="1" noChangeArrowheads="1"/>
           </p:cNvPicPr>
           <p:nvPr/>
         </p:nvPicPr>
         <p:blipFill>
-          <a:blip r:embed="rId3">
-            <a:extLst>
-              <a:ext uri="{BEBA8EAE-BF5A-486C-A8C5-ECC9F3942E4B}">
-                <a14:imgProps xmlns:a14="http://schemas.microsoft.com/office/drawing/2010/main">
-                  <a14:imgLayer r:embed="rId4">
-                    <a14:imgEffect>
-                      <a14:backgroundRemoval t="32520" b="59766" l="16504" r="38184">
-                        <a14:foregroundMark x1="16504" y1="33887" x2="31152" y2="32617"/>
-                        <a14:foregroundMark x1="18262" y1="59863" x2="31445" y2="59668"/>
-                        <a14:foregroundMark x1="33398" y1="58203" x2="36914" y2="53418"/>
-                        <a14:foregroundMark x1="35352" y1="54883" x2="35352" y2="54883"/>
-                        <a14:foregroundMark x1="34961" y1="39844" x2="36621" y2="39551"/>
-                        <a14:foregroundMark x1="36133" y1="39258" x2="36133" y2="39258"/>
-                        <a14:foregroundMark x1="35156" y1="38672" x2="36621" y2="39551"/>
-                        <a14:foregroundMark x1="35742" y1="54883" x2="38184" y2="53223"/>
-                      </a14:backgroundRemoval>
-                    </a14:imgEffect>
-                  </a14:imgLayer>
-                </a14:imgProps>
+          <a:blip r:embed="rId2">
+            <a:extLst>
+              <a:ext uri="{28A0092B-C50C-407E-A947-70E740481C1C}">
+                <a14:useLocalDpi xmlns:a14="http://schemas.microsoft.com/office/drawing/2010/main" val="0"/>
               </a:ext>
             </a:extLst>
           </a:blip>
-          <a:srcRect l="15382" t="30191" r="60798" b="36890"/>
-          <a:stretch/>
+          <a:srcRect/>
+          <a:stretch>
+            <a:fillRect/>
+          </a:stretch>
         </p:blipFill>
-        <p:spPr>
-          <a:xfrm rot="20147253">
-            <a:off x="5276275" y="3867646"/>
-            <a:ext cx="1100408" cy="1520750"/>
+        <p:spPr bwMode="auto">
+          <a:xfrm>
+            <a:off x="5418196" y="2217796"/>
+            <a:ext cx="2062103" cy="2062103"/>
           </a:xfrm>
           <a:prstGeom prst="rect">
             <a:avLst/>
           </a:prstGeom>
+          <a:noFill/>
+          <a:effectLst>
+            <a:outerShdw blurRad="50800" dist="38100" dir="2700000" algn="tl" rotWithShape="0">
+              <a:prstClr val="black">
+                <a:alpha val="40000"/>
+              </a:prstClr>
+            </a:outerShdw>
+          </a:effectLst>
+          <a:extLst>
+            <a:ext uri="{909E8E84-426E-40DD-AFC4-6F175D3DCCD1}">
+              <a14:hiddenFill xmlns:a14="http://schemas.microsoft.com/office/drawing/2010/main">
+                <a:solidFill>
+                  <a:srgbClr val="FFFFFF"/>
+                </a:solidFill>
+              </a14:hiddenFill>
+            </a:ext>
+          </a:extLst>
         </p:spPr>
       </p:pic>
+      <p:sp>
+        <p:nvSpPr>
+          <p:cNvPr id="5" name="TextBox 4">
+            <a:extLst>
+              <a:ext uri="{FF2B5EF4-FFF2-40B4-BE49-F238E27FC236}">
+                <a16:creationId xmlns:a16="http://schemas.microsoft.com/office/drawing/2014/main" id="{1BC5F0ED-CFA6-3BD2-03A0-34B428670403}"/>
+              </a:ext>
+            </a:extLst>
+          </p:cNvPr>
+          <p:cNvSpPr txBox="1"/>
+          <p:nvPr/>
+        </p:nvSpPr>
+        <p:spPr>
+          <a:xfrm rot="18051544">
+            <a:off x="5788714" y="2985840"/>
+            <a:ext cx="1698291" cy="646331"/>
+          </a:xfrm>
+          <a:prstGeom prst="rect">
+            <a:avLst/>
+          </a:prstGeom>
+          <a:noFill/>
+          <a:effectLst>
+            <a:outerShdw blurRad="50800" dist="38100" dir="2700000" algn="tl" rotWithShape="0">
+              <a:prstClr val="black">
+                <a:alpha val="40000"/>
+              </a:prstClr>
+            </a:outerShdw>
+          </a:effectLst>
+        </p:spPr>
+        <p:txBody>
+          <a:bodyPr wrap="square" rtlCol="0">
+            <a:spAutoFit/>
+          </a:bodyPr>
+          <a:lstStyle/>
+          <a:p>
+            <a:pPr algn="ctr"/>
+            <a:r>
+              <a:rPr lang="en-US" sz="3600" dirty="0">
+                <a:latin typeface="HanziPen SC" panose="03000300000000000000" pitchFamily="66" charset="-122"/>
+                <a:ea typeface="HanziPen SC" panose="03000300000000000000" pitchFamily="66" charset="-122"/>
+                <a:cs typeface="Apple Chancery" panose="03020702040506060504" pitchFamily="66" charset="-79"/>
+              </a:rPr>
+              <a:t>Bruno</a:t>
+            </a:r>
+          </a:p>
+        </p:txBody>
+      </p:sp>
     </p:spTree>
     <p:extLst>
       <p:ext uri="{BB962C8B-B14F-4D97-AF65-F5344CB8AC3E}">
-        <p14:creationId xmlns:p14="http://schemas.microsoft.com/office/powerpoint/2010/main" val="2562109095"/>
+        <p14:creationId xmlns:p14="http://schemas.microsoft.com/office/powerpoint/2010/main" val="2735178231"/>
+      </p:ext>
+    </p:extLst>
+  </p:cSld>
+  <p:clrMapOvr>
+    <a:masterClrMapping/>
+  </p:clrMapOvr>
+</p:sld>
+</file>
+
+<file path=ppt/slides/slide2.xml><?xml version="1.0" encoding="utf-8"?>
+<p:sld xmlns:a="http://schemas.openxmlformats.org/drawingml/2006/main" xmlns:r="http://schemas.openxmlformats.org/officeDocument/2006/relationships" xmlns:p="http://schemas.openxmlformats.org/presentationml/2006/main">
+  <p:cSld>
+    <p:spTree>
+      <p:nvGrpSpPr>
+        <p:cNvPr id="1" name="">
+          <a:extLst>
+            <a:ext uri="{FF2B5EF4-FFF2-40B4-BE49-F238E27FC236}">
+              <a16:creationId xmlns:a16="http://schemas.microsoft.com/office/drawing/2014/main" id="{F2C4ED0D-FBC8-3D59-E555-787B93188019}"/>
+            </a:ext>
+          </a:extLst>
+        </p:cNvPr>
+        <p:cNvGrpSpPr/>
+        <p:nvPr/>
+      </p:nvGrpSpPr>
+      <p:grpSpPr>
+        <a:xfrm>
+          <a:off x="0" y="0"/>
+          <a:ext cx="0" cy="0"/>
+          <a:chOff x="0" y="0"/>
+          <a:chExt cx="0" cy="0"/>
+        </a:xfrm>
+      </p:grpSpPr>
+      <p:sp>
+        <p:nvSpPr>
+          <p:cNvPr id="4" name="TextBox 3">
+            <a:extLst>
+              <a:ext uri="{FF2B5EF4-FFF2-40B4-BE49-F238E27FC236}">
+                <a16:creationId xmlns:a16="http://schemas.microsoft.com/office/drawing/2014/main" id="{812D91CC-DE08-01D0-7A97-3674EC467424}"/>
+              </a:ext>
+            </a:extLst>
+          </p:cNvPr>
+          <p:cNvSpPr txBox="1"/>
+          <p:nvPr/>
+        </p:nvSpPr>
+        <p:spPr>
+          <a:xfrm>
+            <a:off x="4336619" y="2576780"/>
+            <a:ext cx="4602480" cy="2062103"/>
+          </a:xfrm>
+          <a:prstGeom prst="rect">
+            <a:avLst/>
+          </a:prstGeom>
+          <a:noFill/>
+        </p:spPr>
+        <p:txBody>
+          <a:bodyPr wrap="square" rtlCol="0">
+            <a:spAutoFit/>
+          </a:bodyPr>
+          <a:lstStyle/>
+          <a:p>
+            <a:pPr algn="ctr"/>
+            <a:r>
+              <a:rPr lang="en-US" sz="12800" dirty="0">
+                <a:latin typeface="HanziPen SC" panose="03000300000000000000" pitchFamily="66" charset="-122"/>
+                <a:ea typeface="HanziPen SC" panose="03000300000000000000" pitchFamily="66" charset="-122"/>
+                <a:cs typeface="Apple Chancery" panose="03020702040506060504" pitchFamily="66" charset="-79"/>
+              </a:rPr>
+              <a:t>B   M</a:t>
+            </a:r>
+          </a:p>
+        </p:txBody>
+      </p:sp>
+      <p:pic>
+        <p:nvPicPr>
+          <p:cNvPr id="1026" name="Picture 2" descr="Heart Icon PNG &amp; SVG Design For T-Shirts">
+            <a:extLst>
+              <a:ext uri="{FF2B5EF4-FFF2-40B4-BE49-F238E27FC236}">
+                <a16:creationId xmlns:a16="http://schemas.microsoft.com/office/drawing/2014/main" id="{10728BCD-04BE-1DC8-B171-1EA8864C30EA}"/>
+              </a:ext>
+            </a:extLst>
+          </p:cNvPr>
+          <p:cNvPicPr>
+            <a:picLocks noChangeAspect="1" noChangeArrowheads="1"/>
+          </p:cNvPicPr>
+          <p:nvPr/>
+        </p:nvPicPr>
+        <p:blipFill>
+          <a:blip r:embed="rId2">
+            <a:extLst>
+              <a:ext uri="{28A0092B-C50C-407E-A947-70E740481C1C}">
+                <a14:useLocalDpi xmlns:a14="http://schemas.microsoft.com/office/drawing/2010/main" val="0"/>
+              </a:ext>
+            </a:extLst>
+          </a:blip>
+          <a:srcRect/>
+          <a:stretch>
+            <a:fillRect/>
+          </a:stretch>
+        </p:blipFill>
+        <p:spPr bwMode="auto">
+          <a:xfrm>
+            <a:off x="5418196" y="2217796"/>
+            <a:ext cx="2062103" cy="2062103"/>
+          </a:xfrm>
+          <a:prstGeom prst="rect">
+            <a:avLst/>
+          </a:prstGeom>
+          <a:noFill/>
+          <a:extLst>
+            <a:ext uri="{909E8E84-426E-40DD-AFC4-6F175D3DCCD1}">
+              <a14:hiddenFill xmlns:a14="http://schemas.microsoft.com/office/drawing/2010/main">
+                <a:solidFill>
+                  <a:srgbClr val="FFFFFF"/>
+                </a:solidFill>
+              </a14:hiddenFill>
+            </a:ext>
+          </a:extLst>
+        </p:spPr>
+      </p:pic>
+      <p:sp>
+        <p:nvSpPr>
+          <p:cNvPr id="5" name="TextBox 4">
+            <a:extLst>
+              <a:ext uri="{FF2B5EF4-FFF2-40B4-BE49-F238E27FC236}">
+                <a16:creationId xmlns:a16="http://schemas.microsoft.com/office/drawing/2014/main" id="{164217A2-2F2F-5A5A-6E14-684A612624FC}"/>
+              </a:ext>
+            </a:extLst>
+          </p:cNvPr>
+          <p:cNvSpPr txBox="1"/>
+          <p:nvPr/>
+        </p:nvSpPr>
+        <p:spPr>
+          <a:xfrm rot="18051544">
+            <a:off x="5759664" y="2962145"/>
+            <a:ext cx="1698291" cy="1015663"/>
+          </a:xfrm>
+          <a:prstGeom prst="rect">
+            <a:avLst/>
+          </a:prstGeom>
+          <a:noFill/>
+        </p:spPr>
+        <p:txBody>
+          <a:bodyPr wrap="square" rtlCol="0">
+            <a:spAutoFit/>
+          </a:bodyPr>
+          <a:lstStyle/>
+          <a:p>
+            <a:pPr algn="ctr"/>
+            <a:r>
+              <a:rPr lang="en-US" sz="6000" dirty="0">
+                <a:latin typeface="HanziPen SC" panose="03000300000000000000" pitchFamily="66" charset="-122"/>
+                <a:ea typeface="HanziPen SC" panose="03000300000000000000" pitchFamily="66" charset="-122"/>
+                <a:cs typeface="Apple Chancery" panose="03020702040506060504" pitchFamily="66" charset="-79"/>
+              </a:rPr>
+              <a:t>B</a:t>
+            </a:r>
+          </a:p>
+        </p:txBody>
+      </p:sp>
+    </p:spTree>
+    <p:extLst>
+      <p:ext uri="{BB962C8B-B14F-4D97-AF65-F5344CB8AC3E}">
+        <p14:creationId xmlns:p14="http://schemas.microsoft.com/office/powerpoint/2010/main" val="1739277172"/>
       </p:ext>
     </p:extLst>
   </p:cSld>

--- a/img/logo.pptx
+++ b/img/logo.pptx
@@ -271,7 +271,7 @@
           <a:p>
             <a:fld id="{B25DE708-3526-C345-B113-21DFFC2AEC7D}" type="datetimeFigureOut">
               <a:rPr lang="en-US" smtClean="0"/>
-              <a:t>3/2/25</a:t>
+              <a:t>3/3/25</a:t>
             </a:fld>
             <a:endParaRPr lang="en-US"/>
           </a:p>
@@ -469,7 +469,7 @@
           <a:p>
             <a:fld id="{B25DE708-3526-C345-B113-21DFFC2AEC7D}" type="datetimeFigureOut">
               <a:rPr lang="en-US" smtClean="0"/>
-              <a:t>3/2/25</a:t>
+              <a:t>3/3/25</a:t>
             </a:fld>
             <a:endParaRPr lang="en-US"/>
           </a:p>
@@ -677,7 +677,7 @@
           <a:p>
             <a:fld id="{B25DE708-3526-C345-B113-21DFFC2AEC7D}" type="datetimeFigureOut">
               <a:rPr lang="en-US" smtClean="0"/>
-              <a:t>3/2/25</a:t>
+              <a:t>3/3/25</a:t>
             </a:fld>
             <a:endParaRPr lang="en-US"/>
           </a:p>
@@ -875,7 +875,7 @@
           <a:p>
             <a:fld id="{B25DE708-3526-C345-B113-21DFFC2AEC7D}" type="datetimeFigureOut">
               <a:rPr lang="en-US" smtClean="0"/>
-              <a:t>3/2/25</a:t>
+              <a:t>3/3/25</a:t>
             </a:fld>
             <a:endParaRPr lang="en-US"/>
           </a:p>
@@ -1150,7 +1150,7 @@
           <a:p>
             <a:fld id="{B25DE708-3526-C345-B113-21DFFC2AEC7D}" type="datetimeFigureOut">
               <a:rPr lang="en-US" smtClean="0"/>
-              <a:t>3/2/25</a:t>
+              <a:t>3/3/25</a:t>
             </a:fld>
             <a:endParaRPr lang="en-US"/>
           </a:p>
@@ -1415,7 +1415,7 @@
           <a:p>
             <a:fld id="{B25DE708-3526-C345-B113-21DFFC2AEC7D}" type="datetimeFigureOut">
               <a:rPr lang="en-US" smtClean="0"/>
-              <a:t>3/2/25</a:t>
+              <a:t>3/3/25</a:t>
             </a:fld>
             <a:endParaRPr lang="en-US"/>
           </a:p>
@@ -1827,7 +1827,7 @@
           <a:p>
             <a:fld id="{B25DE708-3526-C345-B113-21DFFC2AEC7D}" type="datetimeFigureOut">
               <a:rPr lang="en-US" smtClean="0"/>
-              <a:t>3/2/25</a:t>
+              <a:t>3/3/25</a:t>
             </a:fld>
             <a:endParaRPr lang="en-US"/>
           </a:p>
@@ -1968,7 +1968,7 @@
           <a:p>
             <a:fld id="{B25DE708-3526-C345-B113-21DFFC2AEC7D}" type="datetimeFigureOut">
               <a:rPr lang="en-US" smtClean="0"/>
-              <a:t>3/2/25</a:t>
+              <a:t>3/3/25</a:t>
             </a:fld>
             <a:endParaRPr lang="en-US"/>
           </a:p>
@@ -2081,7 +2081,7 @@
           <a:p>
             <a:fld id="{B25DE708-3526-C345-B113-21DFFC2AEC7D}" type="datetimeFigureOut">
               <a:rPr lang="en-US" smtClean="0"/>
-              <a:t>3/2/25</a:t>
+              <a:t>3/3/25</a:t>
             </a:fld>
             <a:endParaRPr lang="en-US"/>
           </a:p>
@@ -2392,7 +2392,7 @@
           <a:p>
             <a:fld id="{B25DE708-3526-C345-B113-21DFFC2AEC7D}" type="datetimeFigureOut">
               <a:rPr lang="en-US" smtClean="0"/>
-              <a:t>3/2/25</a:t>
+              <a:t>3/3/25</a:t>
             </a:fld>
             <a:endParaRPr lang="en-US"/>
           </a:p>
@@ -2680,7 +2680,7 @@
           <a:p>
             <a:fld id="{B25DE708-3526-C345-B113-21DFFC2AEC7D}" type="datetimeFigureOut">
               <a:rPr lang="en-US" smtClean="0"/>
-              <a:t>3/2/25</a:t>
+              <a:t>3/3/25</a:t>
             </a:fld>
             <a:endParaRPr lang="en-US"/>
           </a:p>
@@ -2921,7 +2921,7 @@
           <a:p>
             <a:fld id="{B25DE708-3526-C345-B113-21DFFC2AEC7D}" type="datetimeFigureOut">
               <a:rPr lang="en-US" smtClean="0"/>
-              <a:t>3/2/25</a:t>
+              <a:t>3/3/25</a:t>
             </a:fld>
             <a:endParaRPr lang="en-US"/>
           </a:p>
@@ -3352,7 +3352,7 @@
         </p:nvSpPr>
         <p:spPr>
           <a:xfrm>
-            <a:off x="-444500" y="2576780"/>
+            <a:off x="-382716" y="2589136"/>
             <a:ext cx="12484100" cy="2062103"/>
           </a:xfrm>
           <a:prstGeom prst="rect">
@@ -3385,17 +3385,17 @@
                 <a:ea typeface="HanziPen SC" panose="03000300000000000000" pitchFamily="66" charset="-122"/>
                 <a:cs typeface="Apple Chancery" panose="03020702040506060504" pitchFamily="66" charset="-79"/>
               </a:rPr>
-              <a:t>Barbara   Malte</a:t>
+              <a:t>Barbara    Malte</a:t>
             </a:r>
           </a:p>
         </p:txBody>
       </p:sp>
       <p:pic>
         <p:nvPicPr>
-          <p:cNvPr id="1026" name="Picture 2" descr="Heart Icon PNG &amp; SVG Design For T-Shirts">
-            <a:extLst>
-              <a:ext uri="{FF2B5EF4-FFF2-40B4-BE49-F238E27FC236}">
-                <a16:creationId xmlns:a16="http://schemas.microsoft.com/office/drawing/2014/main" id="{8629B1AC-0B58-5E68-4BBD-345DC997CE03}"/>
+          <p:cNvPr id="1030" name="Picture 6" descr="Heart PNGs for Free Download">
+            <a:extLst>
+              <a:ext uri="{FF2B5EF4-FFF2-40B4-BE49-F238E27FC236}">
+                <a16:creationId xmlns:a16="http://schemas.microsoft.com/office/drawing/2014/main" id="{2F53DBBD-C867-803B-4C29-C5F7ED7DCD82}"/>
               </a:ext>
             </a:extLst>
           </p:cNvPr>
@@ -3418,9 +3418,9 @@
           </a:stretch>
         </p:blipFill>
         <p:spPr bwMode="auto">
-          <a:xfrm>
-            <a:off x="5418196" y="2217796"/>
-            <a:ext cx="2062103" cy="2062103"/>
+          <a:xfrm rot="639958">
+            <a:off x="5473526" y="2531417"/>
+            <a:ext cx="1907363" cy="1795165"/>
           </a:xfrm>
           <a:prstGeom prst="rect">
             <a:avLst/>
@@ -3457,9 +3457,9 @@
           <p:nvPr/>
         </p:nvSpPr>
         <p:spPr>
-          <a:xfrm rot="18051544">
-            <a:off x="5788714" y="2985840"/>
-            <a:ext cx="1698291" cy="646331"/>
+          <a:xfrm rot="708467">
+            <a:off x="5578063" y="2908355"/>
+            <a:ext cx="1698291" cy="769441"/>
           </a:xfrm>
           <a:prstGeom prst="rect">
             <a:avLst/>
@@ -3481,7 +3481,12 @@
           <a:p>
             <a:pPr algn="ctr"/>
             <a:r>
-              <a:rPr lang="en-US" sz="3600" dirty="0">
+              <a:rPr lang="en-US" sz="4400" b="1" dirty="0">
+                <a:ln>
+                  <a:solidFill>
+                    <a:schemeClr val="bg1"/>
+                  </a:solidFill>
+                </a:ln>
                 <a:latin typeface="HanziPen SC" panose="03000300000000000000" pitchFamily="66" charset="-122"/>
                 <a:ea typeface="HanziPen SC" panose="03000300000000000000" pitchFamily="66" charset="-122"/>
                 <a:cs typeface="Apple Chancery" panose="03020702040506060504" pitchFamily="66" charset="-79"/>
@@ -3512,7 +3517,7 @@
         <p:cNvPr id="1" name="">
           <a:extLst>
             <a:ext uri="{FF2B5EF4-FFF2-40B4-BE49-F238E27FC236}">
-              <a16:creationId xmlns:a16="http://schemas.microsoft.com/office/drawing/2014/main" id="{F2C4ED0D-FBC8-3D59-E555-787B93188019}"/>
+              <a16:creationId xmlns:a16="http://schemas.microsoft.com/office/drawing/2014/main" id="{B7688086-B3A4-4D2C-26AB-14FF534B0E1A}"/>
             </a:ext>
           </a:extLst>
         </p:cNvPr>
@@ -3527,52 +3532,12 @@
           <a:chExt cx="0" cy="0"/>
         </a:xfrm>
       </p:grpSpPr>
-      <p:sp>
-        <p:nvSpPr>
-          <p:cNvPr id="4" name="TextBox 3">
-            <a:extLst>
-              <a:ext uri="{FF2B5EF4-FFF2-40B4-BE49-F238E27FC236}">
-                <a16:creationId xmlns:a16="http://schemas.microsoft.com/office/drawing/2014/main" id="{812D91CC-DE08-01D0-7A97-3674EC467424}"/>
-              </a:ext>
-            </a:extLst>
-          </p:cNvPr>
-          <p:cNvSpPr txBox="1"/>
-          <p:nvPr/>
-        </p:nvSpPr>
-        <p:spPr>
-          <a:xfrm>
-            <a:off x="4336619" y="2576780"/>
-            <a:ext cx="4602480" cy="2062103"/>
-          </a:xfrm>
-          <a:prstGeom prst="rect">
-            <a:avLst/>
-          </a:prstGeom>
-          <a:noFill/>
-        </p:spPr>
-        <p:txBody>
-          <a:bodyPr wrap="square" rtlCol="0">
-            <a:spAutoFit/>
-          </a:bodyPr>
-          <a:lstStyle/>
-          <a:p>
-            <a:pPr algn="ctr"/>
-            <a:r>
-              <a:rPr lang="en-US" sz="12800" dirty="0">
-                <a:latin typeface="HanziPen SC" panose="03000300000000000000" pitchFamily="66" charset="-122"/>
-                <a:ea typeface="HanziPen SC" panose="03000300000000000000" pitchFamily="66" charset="-122"/>
-                <a:cs typeface="Apple Chancery" panose="03020702040506060504" pitchFamily="66" charset="-79"/>
-              </a:rPr>
-              <a:t>B   M</a:t>
-            </a:r>
-          </a:p>
-        </p:txBody>
-      </p:sp>
       <p:pic>
         <p:nvPicPr>
-          <p:cNvPr id="1026" name="Picture 2" descr="Heart Icon PNG &amp; SVG Design For T-Shirts">
-            <a:extLst>
-              <a:ext uri="{FF2B5EF4-FFF2-40B4-BE49-F238E27FC236}">
-                <a16:creationId xmlns:a16="http://schemas.microsoft.com/office/drawing/2014/main" id="{10728BCD-04BE-1DC8-B171-1EA8864C30EA}"/>
+          <p:cNvPr id="1030" name="Picture 6" descr="Heart PNGs for Free Download">
+            <a:extLst>
+              <a:ext uri="{FF2B5EF4-FFF2-40B4-BE49-F238E27FC236}">
+                <a16:creationId xmlns:a16="http://schemas.microsoft.com/office/drawing/2014/main" id="{D3EE8FEE-EA35-8AC9-578F-3F96ECD6F3AE}"/>
               </a:ext>
             </a:extLst>
           </p:cNvPr>
@@ -3595,14 +3560,21 @@
           </a:stretch>
         </p:blipFill>
         <p:spPr bwMode="auto">
-          <a:xfrm>
-            <a:off x="5418196" y="2217796"/>
-            <a:ext cx="2062103" cy="2062103"/>
+          <a:xfrm rot="639958">
+            <a:off x="5473526" y="2531417"/>
+            <a:ext cx="1907363" cy="1795165"/>
           </a:xfrm>
           <a:prstGeom prst="rect">
             <a:avLst/>
           </a:prstGeom>
           <a:noFill/>
+          <a:effectLst>
+            <a:outerShdw blurRad="50800" dist="38100" dir="2700000" algn="tl" rotWithShape="0">
+              <a:prstClr val="black">
+                <a:alpha val="40000"/>
+              </a:prstClr>
+            </a:outerShdw>
+          </a:effectLst>
           <a:extLst>
             <a:ext uri="{909E8E84-426E-40DD-AFC4-6F175D3DCCD1}">
               <a14:hiddenFill xmlns:a14="http://schemas.microsoft.com/office/drawing/2010/main">
@@ -3616,10 +3588,10 @@
       </p:pic>
       <p:sp>
         <p:nvSpPr>
-          <p:cNvPr id="5" name="TextBox 4">
-            <a:extLst>
-              <a:ext uri="{FF2B5EF4-FFF2-40B4-BE49-F238E27FC236}">
-                <a16:creationId xmlns:a16="http://schemas.microsoft.com/office/drawing/2014/main" id="{164217A2-2F2F-5A5A-6E14-684A612624FC}"/>
+          <p:cNvPr id="2" name="TextBox 1">
+            <a:extLst>
+              <a:ext uri="{FF2B5EF4-FFF2-40B4-BE49-F238E27FC236}">
+                <a16:creationId xmlns:a16="http://schemas.microsoft.com/office/drawing/2014/main" id="{B6F30C13-26E4-684B-286B-3C7F646FCB75}"/>
               </a:ext>
             </a:extLst>
           </p:cNvPr>
@@ -3627,14 +3599,21 @@
           <p:nvPr/>
         </p:nvSpPr>
         <p:spPr>
-          <a:xfrm rot="18051544">
-            <a:off x="5759664" y="2962145"/>
-            <a:ext cx="1698291" cy="1015663"/>
+          <a:xfrm rot="715117">
+            <a:off x="5537884" y="2909584"/>
+            <a:ext cx="1889070" cy="1200329"/>
           </a:xfrm>
           <a:prstGeom prst="rect">
             <a:avLst/>
           </a:prstGeom>
           <a:noFill/>
+          <a:effectLst>
+            <a:outerShdw blurRad="50800" dist="38100" dir="2700000" algn="tl" rotWithShape="0">
+              <a:prstClr val="black">
+                <a:alpha val="40000"/>
+              </a:prstClr>
+            </a:outerShdw>
+          </a:effectLst>
         </p:spPr>
         <p:txBody>
           <a:bodyPr wrap="square" rtlCol="0">
@@ -3644,20 +3623,51 @@
           <a:p>
             <a:pPr algn="ctr"/>
             <a:r>
-              <a:rPr lang="en-US" sz="6000" dirty="0">
+              <a:rPr lang="en-US" sz="7200" dirty="0">
+                <a:ln w="12700">
+                  <a:solidFill>
+                    <a:schemeClr val="bg1"/>
+                  </a:solidFill>
+                </a:ln>
                 <a:latin typeface="HanziPen SC" panose="03000300000000000000" pitchFamily="66" charset="-122"/>
                 <a:ea typeface="HanziPen SC" panose="03000300000000000000" pitchFamily="66" charset="-122"/>
                 <a:cs typeface="Apple Chancery" panose="03020702040506060504" pitchFamily="66" charset="-79"/>
               </a:rPr>
               <a:t>B</a:t>
             </a:r>
+            <a:r>
+              <a:rPr lang="en-US" sz="4400" dirty="0">
+                <a:ln w="12700">
+                  <a:solidFill>
+                    <a:schemeClr val="bg1"/>
+                  </a:solidFill>
+                </a:ln>
+                <a:latin typeface="HanziPen SC" panose="03000300000000000000" pitchFamily="66" charset="-122"/>
+                <a:ea typeface="HanziPen SC" panose="03000300000000000000" pitchFamily="66" charset="-122"/>
+                <a:cs typeface="Apple Chancery" panose="03020702040506060504" pitchFamily="66" charset="-79"/>
+              </a:rPr>
+              <a:t>B</a:t>
+            </a:r>
+            <a:r>
+              <a:rPr lang="en-US" sz="7200" dirty="0">
+                <a:ln w="12700">
+                  <a:solidFill>
+                    <a:schemeClr val="bg1"/>
+                  </a:solidFill>
+                </a:ln>
+                <a:latin typeface="HanziPen SC" panose="03000300000000000000" pitchFamily="66" charset="-122"/>
+                <a:ea typeface="HanziPen SC" panose="03000300000000000000" pitchFamily="66" charset="-122"/>
+                <a:cs typeface="Apple Chancery" panose="03020702040506060504" pitchFamily="66" charset="-79"/>
+              </a:rPr>
+              <a:t>M</a:t>
+            </a:r>
           </a:p>
         </p:txBody>
       </p:sp>
     </p:spTree>
     <p:extLst>
       <p:ext uri="{BB962C8B-B14F-4D97-AF65-F5344CB8AC3E}">
-        <p14:creationId xmlns:p14="http://schemas.microsoft.com/office/powerpoint/2010/main" val="1739277172"/>
+        <p14:creationId xmlns:p14="http://schemas.microsoft.com/office/powerpoint/2010/main" val="1913003407"/>
       </p:ext>
     </p:extLst>
   </p:cSld>

--- a/img/logo.pptx
+++ b/img/logo.pptx
@@ -271,7 +271,7 @@
           <a:p>
             <a:fld id="{B25DE708-3526-C345-B113-21DFFC2AEC7D}" type="datetimeFigureOut">
               <a:rPr lang="en-US" smtClean="0"/>
-              <a:t>3/3/25</a:t>
+              <a:t>3/4/25</a:t>
             </a:fld>
             <a:endParaRPr lang="en-US"/>
           </a:p>
@@ -469,7 +469,7 @@
           <a:p>
             <a:fld id="{B25DE708-3526-C345-B113-21DFFC2AEC7D}" type="datetimeFigureOut">
               <a:rPr lang="en-US" smtClean="0"/>
-              <a:t>3/3/25</a:t>
+              <a:t>3/4/25</a:t>
             </a:fld>
             <a:endParaRPr lang="en-US"/>
           </a:p>
@@ -677,7 +677,7 @@
           <a:p>
             <a:fld id="{B25DE708-3526-C345-B113-21DFFC2AEC7D}" type="datetimeFigureOut">
               <a:rPr lang="en-US" smtClean="0"/>
-              <a:t>3/3/25</a:t>
+              <a:t>3/4/25</a:t>
             </a:fld>
             <a:endParaRPr lang="en-US"/>
           </a:p>
@@ -875,7 +875,7 @@
           <a:p>
             <a:fld id="{B25DE708-3526-C345-B113-21DFFC2AEC7D}" type="datetimeFigureOut">
               <a:rPr lang="en-US" smtClean="0"/>
-              <a:t>3/3/25</a:t>
+              <a:t>3/4/25</a:t>
             </a:fld>
             <a:endParaRPr lang="en-US"/>
           </a:p>
@@ -1150,7 +1150,7 @@
           <a:p>
             <a:fld id="{B25DE708-3526-C345-B113-21DFFC2AEC7D}" type="datetimeFigureOut">
               <a:rPr lang="en-US" smtClean="0"/>
-              <a:t>3/3/25</a:t>
+              <a:t>3/4/25</a:t>
             </a:fld>
             <a:endParaRPr lang="en-US"/>
           </a:p>
@@ -1415,7 +1415,7 @@
           <a:p>
             <a:fld id="{B25DE708-3526-C345-B113-21DFFC2AEC7D}" type="datetimeFigureOut">
               <a:rPr lang="en-US" smtClean="0"/>
-              <a:t>3/3/25</a:t>
+              <a:t>3/4/25</a:t>
             </a:fld>
             <a:endParaRPr lang="en-US"/>
           </a:p>
@@ -1827,7 +1827,7 @@
           <a:p>
             <a:fld id="{B25DE708-3526-C345-B113-21DFFC2AEC7D}" type="datetimeFigureOut">
               <a:rPr lang="en-US" smtClean="0"/>
-              <a:t>3/3/25</a:t>
+              <a:t>3/4/25</a:t>
             </a:fld>
             <a:endParaRPr lang="en-US"/>
           </a:p>
@@ -1968,7 +1968,7 @@
           <a:p>
             <a:fld id="{B25DE708-3526-C345-B113-21DFFC2AEC7D}" type="datetimeFigureOut">
               <a:rPr lang="en-US" smtClean="0"/>
-              <a:t>3/3/25</a:t>
+              <a:t>3/4/25</a:t>
             </a:fld>
             <a:endParaRPr lang="en-US"/>
           </a:p>
@@ -2081,7 +2081,7 @@
           <a:p>
             <a:fld id="{B25DE708-3526-C345-B113-21DFFC2AEC7D}" type="datetimeFigureOut">
               <a:rPr lang="en-US" smtClean="0"/>
-              <a:t>3/3/25</a:t>
+              <a:t>3/4/25</a:t>
             </a:fld>
             <a:endParaRPr lang="en-US"/>
           </a:p>
@@ -2392,7 +2392,7 @@
           <a:p>
             <a:fld id="{B25DE708-3526-C345-B113-21DFFC2AEC7D}" type="datetimeFigureOut">
               <a:rPr lang="en-US" smtClean="0"/>
-              <a:t>3/3/25</a:t>
+              <a:t>3/4/25</a:t>
             </a:fld>
             <a:endParaRPr lang="en-US"/>
           </a:p>
@@ -2680,7 +2680,7 @@
           <a:p>
             <a:fld id="{B25DE708-3526-C345-B113-21DFFC2AEC7D}" type="datetimeFigureOut">
               <a:rPr lang="en-US" smtClean="0"/>
-              <a:t>3/3/25</a:t>
+              <a:t>3/4/25</a:t>
             </a:fld>
             <a:endParaRPr lang="en-US"/>
           </a:p>
@@ -2921,7 +2921,7 @@
           <a:p>
             <a:fld id="{B25DE708-3526-C345-B113-21DFFC2AEC7D}" type="datetimeFigureOut">
               <a:rPr lang="en-US" smtClean="0"/>
-              <a:t>3/3/25</a:t>
+              <a:t>3/4/25</a:t>
             </a:fld>
             <a:endParaRPr lang="en-US"/>
           </a:p>
@@ -3532,6 +3532,58 @@
           <a:chExt cx="0" cy="0"/>
         </a:xfrm>
       </p:grpSpPr>
+      <p:sp>
+        <p:nvSpPr>
+          <p:cNvPr id="3" name="Rectangle 2">
+            <a:extLst>
+              <a:ext uri="{FF2B5EF4-FFF2-40B4-BE49-F238E27FC236}">
+                <a16:creationId xmlns:a16="http://schemas.microsoft.com/office/drawing/2014/main" id="{D0B761FB-6619-FE27-2FDE-94E0E8DFF147}"/>
+              </a:ext>
+            </a:extLst>
+          </p:cNvPr>
+          <p:cNvSpPr/>
+          <p:nvPr/>
+        </p:nvSpPr>
+        <p:spPr>
+          <a:xfrm>
+            <a:off x="5385809" y="2263422"/>
+            <a:ext cx="2286000" cy="2286000"/>
+          </a:xfrm>
+          <a:prstGeom prst="rect">
+            <a:avLst/>
+          </a:prstGeom>
+          <a:solidFill>
+            <a:srgbClr val="E8CA6F"/>
+          </a:solidFill>
+          <a:ln>
+            <a:noFill/>
+          </a:ln>
+        </p:spPr>
+        <p:style>
+          <a:lnRef idx="2">
+            <a:schemeClr val="accent1">
+              <a:shade val="15000"/>
+            </a:schemeClr>
+          </a:lnRef>
+          <a:fillRef idx="1">
+            <a:schemeClr val="accent1"/>
+          </a:fillRef>
+          <a:effectRef idx="0">
+            <a:schemeClr val="accent1"/>
+          </a:effectRef>
+          <a:fontRef idx="minor">
+            <a:schemeClr val="lt1"/>
+          </a:fontRef>
+        </p:style>
+        <p:txBody>
+          <a:bodyPr rtlCol="0" anchor="ctr"/>
+          <a:lstStyle/>
+          <a:p>
+            <a:pPr algn="ctr"/>
+            <a:endParaRPr lang="en-US" dirty="0"/>
+          </a:p>
+        </p:txBody>
+      </p:sp>
       <p:pic>
         <p:nvPicPr>
           <p:cNvPr id="1030" name="Picture 6" descr="Heart PNGs for Free Download">
@@ -3607,6 +3659,9 @@
             <a:avLst/>
           </a:prstGeom>
           <a:noFill/>
+          <a:ln>
+            <a:noFill/>
+          </a:ln>
           <a:effectLst>
             <a:outerShdw blurRad="50800" dist="38100" dir="2700000" algn="tl" rotWithShape="0">
               <a:prstClr val="black">

--- a/img/logo.pptx
+++ b/img/logo.pptx
@@ -3546,7 +3546,7 @@
         </p:nvSpPr>
         <p:spPr>
           <a:xfrm>
-            <a:off x="5385809" y="2263422"/>
+            <a:off x="966209" y="2243360"/>
             <a:ext cx="2286000" cy="2286000"/>
           </a:xfrm>
           <a:prstGeom prst="rect">
